--- a/documentation/GettingStarted.pptx
+++ b/documentation/GettingStarted.pptx
@@ -11,12 +11,25 @@
     <p:sldId id="264" r:id="rId5"/>
     <p:sldId id="265" r:id="rId6"/>
     <p:sldId id="257" r:id="rId7"/>
-    <p:sldId id="258" r:id="rId8"/>
-    <p:sldId id="260" r:id="rId9"/>
-    <p:sldId id="261" r:id="rId10"/>
-    <p:sldId id="262" r:id="rId11"/>
-    <p:sldId id="266" r:id="rId12"/>
-    <p:sldId id="267" r:id="rId13"/>
+    <p:sldId id="270" r:id="rId8"/>
+    <p:sldId id="258" r:id="rId9"/>
+    <p:sldId id="260" r:id="rId10"/>
+    <p:sldId id="261" r:id="rId11"/>
+    <p:sldId id="271" r:id="rId12"/>
+    <p:sldId id="262" r:id="rId13"/>
+    <p:sldId id="266" r:id="rId14"/>
+    <p:sldId id="267" r:id="rId15"/>
+    <p:sldId id="268" r:id="rId16"/>
+    <p:sldId id="269" r:id="rId17"/>
+    <p:sldId id="272" r:id="rId18"/>
+    <p:sldId id="273" r:id="rId19"/>
+    <p:sldId id="274" r:id="rId20"/>
+    <p:sldId id="275" r:id="rId21"/>
+    <p:sldId id="276" r:id="rId22"/>
+    <p:sldId id="277" r:id="rId23"/>
+    <p:sldId id="278" r:id="rId24"/>
+    <p:sldId id="280" r:id="rId25"/>
+    <p:sldId id="279" r:id="rId26"/>
   </p:sldIdLst>
   <p:sldSz cx="9144000" cy="6858000" type="screen4x3"/>
   <p:notesSz cx="6858000" cy="9144000"/>
@@ -115,6 +128,53 @@
       </a:defRPr>
     </a:lvl9pPr>
   </p:defaultTextStyle>
+  <p:extLst>
+    <p:ext uri="{521415D9-36F7-43E2-AB2F-B90AF26B5E84}">
+      <p14:sectionLst xmlns:p14="http://schemas.microsoft.com/office/powerpoint/2010/main">
+        <p14:section name="Introduction" id="{AE18C0AE-05A5-0143-98A2-73C559751DEC}">
+          <p14:sldIdLst>
+            <p14:sldId id="256"/>
+            <p14:sldId id="259"/>
+            <p14:sldId id="263"/>
+            <p14:sldId id="264"/>
+            <p14:sldId id="265"/>
+            <p14:sldId id="257"/>
+          </p14:sldIdLst>
+        </p14:section>
+        <p14:section name="a4cli component" id="{7A902C90-44D1-7744-B275-5969C5C0F7F1}">
+          <p14:sldIdLst>
+            <p14:sldId id="270"/>
+            <p14:sldId id="258"/>
+            <p14:sldId id="260"/>
+            <p14:sldId id="261"/>
+          </p14:sldIdLst>
+        </p14:section>
+        <p14:section name="backend component" id="{E59C46AD-757E-D940-A7BC-E63499FCB0BE}">
+          <p14:sldIdLst>
+            <p14:sldId id="271"/>
+            <p14:sldId id="262"/>
+            <p14:sldId id="266"/>
+            <p14:sldId id="267"/>
+            <p14:sldId id="268"/>
+            <p14:sldId id="269"/>
+            <p14:sldId id="272"/>
+          </p14:sldIdLst>
+        </p14:section>
+        <p14:section name="frontend component" id="{E78213B4-83B8-604B-BDCA-D39F849DBE40}">
+          <p14:sldIdLst>
+            <p14:sldId id="273"/>
+            <p14:sldId id="274"/>
+            <p14:sldId id="275"/>
+            <p14:sldId id="276"/>
+            <p14:sldId id="277"/>
+            <p14:sldId id="278"/>
+            <p14:sldId id="280"/>
+            <p14:sldId id="279"/>
+          </p14:sldIdLst>
+        </p14:section>
+      </p14:sectionLst>
+    </p:ext>
+  </p:extLst>
 </p:presentation>
 </file>
 
@@ -1553,6 +1613,13 @@
         </dgm:presLayoutVars>
       </dgm:prSet>
       <dgm:spPr/>
+      <dgm:t>
+        <a:bodyPr/>
+        <a:lstStyle/>
+        <a:p>
+          <a:endParaRPr lang="en-US"/>
+        </a:p>
+      </dgm:t>
     </dgm:pt>
     <dgm:pt modelId="{A4862EEC-F602-0045-B0C2-A3705159318B}" type="pres">
       <dgm:prSet presAssocID="{226CFD69-A1B4-7E4D-9319-4B2B9840834C}" presName="composite" presStyleCnt="0"/>
@@ -1566,6 +1633,13 @@
         </dgm:presLayoutVars>
       </dgm:prSet>
       <dgm:spPr/>
+      <dgm:t>
+        <a:bodyPr/>
+        <a:lstStyle/>
+        <a:p>
+          <a:endParaRPr lang="en-US"/>
+        </a:p>
+      </dgm:t>
     </dgm:pt>
     <dgm:pt modelId="{5B8A5EAC-F374-8749-ABFB-442563EAAA49}" type="pres">
       <dgm:prSet presAssocID="{226CFD69-A1B4-7E4D-9319-4B2B9840834C}" presName="descendantText" presStyleLbl="alignAcc1" presStyleIdx="0" presStyleCnt="3">
@@ -1598,6 +1672,13 @@
         </dgm:presLayoutVars>
       </dgm:prSet>
       <dgm:spPr/>
+      <dgm:t>
+        <a:bodyPr/>
+        <a:lstStyle/>
+        <a:p>
+          <a:endParaRPr lang="en-US"/>
+        </a:p>
+      </dgm:t>
     </dgm:pt>
     <dgm:pt modelId="{B65F8B5F-B0C6-6844-9F2E-16D5C3D21999}" type="pres">
       <dgm:prSet presAssocID="{024D6ECA-8252-A141-A60B-F7DD96BC2C13}" presName="descendantText" presStyleLbl="alignAcc1" presStyleIdx="1" presStyleCnt="3">
@@ -1630,6 +1711,13 @@
         </dgm:presLayoutVars>
       </dgm:prSet>
       <dgm:spPr/>
+      <dgm:t>
+        <a:bodyPr/>
+        <a:lstStyle/>
+        <a:p>
+          <a:endParaRPr lang="en-US"/>
+        </a:p>
+      </dgm:t>
     </dgm:pt>
     <dgm:pt modelId="{9E6A5364-8321-5349-BF23-21D46AD7929D}" type="pres">
       <dgm:prSet presAssocID="{941FB597-D415-D841-A3D3-4D74358CFD6F}" presName="descendantText" presStyleLbl="alignAcc1" presStyleIdx="2" presStyleCnt="3">
@@ -1648,33 +1736,33 @@
     </dgm:pt>
   </dgm:ptLst>
   <dgm:cxnLst>
+    <dgm:cxn modelId="{52CF3C4D-3924-484B-82A5-7FBBB96CAEED}" srcId="{941FB597-D415-D841-A3D3-4D74358CFD6F}" destId="{AEFEEA83-8B56-E040-A17F-F84A72261900}" srcOrd="0" destOrd="0" parTransId="{60706C9F-1C1D-A143-BA2F-805EB5DAE698}" sibTransId="{724CD489-2952-3E40-9F7D-295911ABDC29}"/>
+    <dgm:cxn modelId="{175FCA50-D5EB-2546-AD64-D1E389A90B19}" type="presOf" srcId="{024D6ECA-8252-A141-A60B-F7DD96BC2C13}" destId="{CB179610-4A89-D542-91BC-913C17562D3C}" srcOrd="0" destOrd="0" presId="urn:microsoft.com/office/officeart/2005/8/layout/chevron2"/>
+    <dgm:cxn modelId="{5F86DD19-F8E9-664D-B06F-121C1FECEA37}" type="presOf" srcId="{694BB224-9012-8248-B7E9-D394F1E04B5C}" destId="{5B8A5EAC-F374-8749-ABFB-442563EAAA49}" srcOrd="0" destOrd="0" presId="urn:microsoft.com/office/officeart/2005/8/layout/chevron2"/>
     <dgm:cxn modelId="{FE381964-5314-0E4A-8F6E-7E824322774D}" type="presOf" srcId="{FED15EDE-4FD6-DE4D-82B3-9DCDAA0827DD}" destId="{9E6A5364-8321-5349-BF23-21D46AD7929D}" srcOrd="0" destOrd="2" presId="urn:microsoft.com/office/officeart/2005/8/layout/chevron2"/>
-    <dgm:cxn modelId="{6F3AD6DE-8768-994A-B7ED-7173CEF476C7}" type="presOf" srcId="{7DEA2B3A-ADB0-D34C-9C47-8DB124E8165E}" destId="{9E6A5364-8321-5349-BF23-21D46AD7929D}" srcOrd="0" destOrd="3" presId="urn:microsoft.com/office/officeart/2005/8/layout/chevron2"/>
+    <dgm:cxn modelId="{2F08B23D-7B08-3D45-8111-9746DE2A80C9}" type="presOf" srcId="{6A3D1B9B-4EE3-0346-BF55-38B0EB3CED49}" destId="{9E6A5364-8321-5349-BF23-21D46AD7929D}" srcOrd="0" destOrd="1" presId="urn:microsoft.com/office/officeart/2005/8/layout/chevron2"/>
+    <dgm:cxn modelId="{76F15549-8DD1-8C48-88DB-49DDA7E8FF24}" srcId="{941FB597-D415-D841-A3D3-4D74358CFD6F}" destId="{6A3D1B9B-4EE3-0346-BF55-38B0EB3CED49}" srcOrd="1" destOrd="0" parTransId="{58C40E8C-09B0-D348-8120-4B459DEECE01}" sibTransId="{293C0A55-E734-C44F-9A7A-DDB203203720}"/>
+    <dgm:cxn modelId="{5683073B-F139-2447-BF1E-E5C49F5BB15A}" type="presOf" srcId="{3454FA1B-1351-2244-80FD-1D8568524E12}" destId="{B65F8B5F-B0C6-6844-9F2E-16D5C3D21999}" srcOrd="0" destOrd="0" presId="urn:microsoft.com/office/officeart/2005/8/layout/chevron2"/>
+    <dgm:cxn modelId="{1B1069C9-8FDD-0942-86BE-868613EE5427}" srcId="{226CFD69-A1B4-7E4D-9319-4B2B9840834C}" destId="{694BB224-9012-8248-B7E9-D394F1E04B5C}" srcOrd="0" destOrd="0" parTransId="{A66825CF-16FF-974B-BA22-3FC5195D92F0}" sibTransId="{AD03ED77-CF39-9F46-B367-8CB39B18E6F9}"/>
+    <dgm:cxn modelId="{E4AF2966-81D3-DC41-AC5A-2BD67B5142E4}" srcId="{941FB597-D415-D841-A3D3-4D74358CFD6F}" destId="{7DEA2B3A-ADB0-D34C-9C47-8DB124E8165E}" srcOrd="3" destOrd="0" parTransId="{861CBA89-0CEE-EE42-9C35-1883E035DC9F}" sibTransId="{2E3676A6-1DD8-FC42-924D-09C81DC08419}"/>
+    <dgm:cxn modelId="{D8D1771D-0108-A040-9A42-F4B74D32EA4D}" srcId="{143FA331-207A-FB44-95B6-33975FD87FDC}" destId="{CD3EE61A-3261-DE45-A67E-A282B40BAA49}" srcOrd="1" destOrd="0" parTransId="{DA14F2F3-20EA-DA4A-8135-F36A71B6800D}" sibTransId="{1CD98BA7-2A5D-C844-AB4B-4EF08020CC54}"/>
+    <dgm:cxn modelId="{45F7E450-1CE1-6A47-84D8-F55E46195F10}" srcId="{E2F11381-B3FC-A144-ABCB-4102E8B32BA4}" destId="{024D6ECA-8252-A141-A60B-F7DD96BC2C13}" srcOrd="1" destOrd="0" parTransId="{79C6F8EC-C0CA-E344-9327-BB227DAB0924}" sibTransId="{B1B5A5EE-60E7-FD41-A0F6-157C94139A63}"/>
+    <dgm:cxn modelId="{F48C4FEC-CCBE-E348-9834-407589229103}" type="presOf" srcId="{226CFD69-A1B4-7E4D-9319-4B2B9840834C}" destId="{C65D6A9D-3FC1-2E47-A44E-3473A315A62B}" srcOrd="0" destOrd="0" presId="urn:microsoft.com/office/officeart/2005/8/layout/chevron2"/>
     <dgm:cxn modelId="{3FF183A6-30A9-EC49-89B9-83CCB247CFCD}" srcId="{143FA331-207A-FB44-95B6-33975FD87FDC}" destId="{4FE56B68-5A6E-1741-8256-4428C89201C0}" srcOrd="0" destOrd="0" parTransId="{E31B190F-4DE5-5A47-A735-9266B86890AE}" sibTransId="{9331B069-0CB4-F843-A452-481B2ACC4009}"/>
-    <dgm:cxn modelId="{D8D1771D-0108-A040-9A42-F4B74D32EA4D}" srcId="{143FA331-207A-FB44-95B6-33975FD87FDC}" destId="{CD3EE61A-3261-DE45-A67E-A282B40BAA49}" srcOrd="1" destOrd="0" parTransId="{DA14F2F3-20EA-DA4A-8135-F36A71B6800D}" sibTransId="{1CD98BA7-2A5D-C844-AB4B-4EF08020CC54}"/>
+    <dgm:cxn modelId="{286E8DB6-F861-7F4E-AFAC-F03FCCB0A0D3}" type="presOf" srcId="{143FA331-207A-FB44-95B6-33975FD87FDC}" destId="{5B8A5EAC-F374-8749-ABFB-442563EAAA49}" srcOrd="0" destOrd="1" presId="urn:microsoft.com/office/officeart/2005/8/layout/chevron2"/>
+    <dgm:cxn modelId="{11C55362-2A44-EB4D-BE07-59EBAB4A64B7}" type="presOf" srcId="{4F196CFB-70BA-7341-A499-D6F7E784872D}" destId="{B65F8B5F-B0C6-6844-9F2E-16D5C3D21999}" srcOrd="0" destOrd="1" presId="urn:microsoft.com/office/officeart/2005/8/layout/chevron2"/>
+    <dgm:cxn modelId="{97D34E1F-5066-D041-BE46-0216299020F9}" srcId="{024D6ECA-8252-A141-A60B-F7DD96BC2C13}" destId="{3454FA1B-1351-2244-80FD-1D8568524E12}" srcOrd="0" destOrd="0" parTransId="{B484C220-BD2D-9544-B96A-61A8384DE947}" sibTransId="{2971710F-192F-AA41-950B-62A904AD87BC}"/>
+    <dgm:cxn modelId="{779AD7BF-EE01-CE43-B1BE-F021FD2D2BC8}" type="presOf" srcId="{E2F11381-B3FC-A144-ABCB-4102E8B32BA4}" destId="{B3339FDC-AA9E-B14B-AE30-CEA9C6CDCA47}" srcOrd="0" destOrd="0" presId="urn:microsoft.com/office/officeart/2005/8/layout/chevron2"/>
     <dgm:cxn modelId="{C6B1CC16-4293-5D4F-92A9-4BFF194783B9}" srcId="{226CFD69-A1B4-7E4D-9319-4B2B9840834C}" destId="{143FA331-207A-FB44-95B6-33975FD87FDC}" srcOrd="1" destOrd="0" parTransId="{9FEB79DF-26E6-6F4C-BAB3-7CB6DE265A1F}" sibTransId="{C8E669D9-063E-3F47-9154-CB61E8373399}"/>
+    <dgm:cxn modelId="{1FB634A8-D201-1549-8D1C-98357D8F405F}" srcId="{E2F11381-B3FC-A144-ABCB-4102E8B32BA4}" destId="{941FB597-D415-D841-A3D3-4D74358CFD6F}" srcOrd="2" destOrd="0" parTransId="{C4E8DE3A-597F-AB4B-9C63-79C6B0610320}" sibTransId="{000C6CC6-1A7C-D842-B2E2-6C8B672C1408}"/>
     <dgm:cxn modelId="{A74A3EA1-9571-0B4C-831D-DDA9275F3EAD}" type="presOf" srcId="{941FB597-D415-D841-A3D3-4D74358CFD6F}" destId="{DE821443-E1FD-AE44-98C7-5BBF398C7942}" srcOrd="0" destOrd="0" presId="urn:microsoft.com/office/officeart/2005/8/layout/chevron2"/>
-    <dgm:cxn modelId="{2F08B23D-7B08-3D45-8111-9746DE2A80C9}" type="presOf" srcId="{6A3D1B9B-4EE3-0346-BF55-38B0EB3CED49}" destId="{9E6A5364-8321-5349-BF23-21D46AD7929D}" srcOrd="0" destOrd="1" presId="urn:microsoft.com/office/officeart/2005/8/layout/chevron2"/>
-    <dgm:cxn modelId="{5F86DD19-F8E9-664D-B06F-121C1FECEA37}" type="presOf" srcId="{694BB224-9012-8248-B7E9-D394F1E04B5C}" destId="{5B8A5EAC-F374-8749-ABFB-442563EAAA49}" srcOrd="0" destOrd="0" presId="urn:microsoft.com/office/officeart/2005/8/layout/chevron2"/>
+    <dgm:cxn modelId="{249CAB7C-8B78-CA4A-BF80-19FC5138DC81}" type="presOf" srcId="{AEFEEA83-8B56-E040-A17F-F84A72261900}" destId="{9E6A5364-8321-5349-BF23-21D46AD7929D}" srcOrd="0" destOrd="0" presId="urn:microsoft.com/office/officeart/2005/8/layout/chevron2"/>
+    <dgm:cxn modelId="{32E943ED-5158-7E46-B7B4-EB189C5A3A40}" srcId="{E2F11381-B3FC-A144-ABCB-4102E8B32BA4}" destId="{226CFD69-A1B4-7E4D-9319-4B2B9840834C}" srcOrd="0" destOrd="0" parTransId="{AD751730-F994-EE44-A23A-27263FDB4E17}" sibTransId="{11C231BE-0A49-704E-B86E-7BC92C4097F5}"/>
+    <dgm:cxn modelId="{B04ACE61-0782-F340-ACEE-AA660951C2C5}" type="presOf" srcId="{CD3EE61A-3261-DE45-A67E-A282B40BAA49}" destId="{5B8A5EAC-F374-8749-ABFB-442563EAAA49}" srcOrd="0" destOrd="3" presId="urn:microsoft.com/office/officeart/2005/8/layout/chevron2"/>
     <dgm:cxn modelId="{FAECB5A5-217F-E94D-BD00-B314B492DA28}" srcId="{941FB597-D415-D841-A3D3-4D74358CFD6F}" destId="{FED15EDE-4FD6-DE4D-82B3-9DCDAA0827DD}" srcOrd="2" destOrd="0" parTransId="{F56EEC35-E5E2-3B43-9FFF-8866126048C2}" sibTransId="{D6C98CE3-B40A-D442-AA58-10F0DF94CBB1}"/>
     <dgm:cxn modelId="{E6A046DA-B32F-FC44-8AA2-A78CD5D78E93}" type="presOf" srcId="{4FE56B68-5A6E-1741-8256-4428C89201C0}" destId="{5B8A5EAC-F374-8749-ABFB-442563EAAA49}" srcOrd="0" destOrd="2" presId="urn:microsoft.com/office/officeart/2005/8/layout/chevron2"/>
-    <dgm:cxn modelId="{97D34E1F-5066-D041-BE46-0216299020F9}" srcId="{024D6ECA-8252-A141-A60B-F7DD96BC2C13}" destId="{3454FA1B-1351-2244-80FD-1D8568524E12}" srcOrd="0" destOrd="0" parTransId="{B484C220-BD2D-9544-B96A-61A8384DE947}" sibTransId="{2971710F-192F-AA41-950B-62A904AD87BC}"/>
-    <dgm:cxn modelId="{32E943ED-5158-7E46-B7B4-EB189C5A3A40}" srcId="{E2F11381-B3FC-A144-ABCB-4102E8B32BA4}" destId="{226CFD69-A1B4-7E4D-9319-4B2B9840834C}" srcOrd="0" destOrd="0" parTransId="{AD751730-F994-EE44-A23A-27263FDB4E17}" sibTransId="{11C231BE-0A49-704E-B86E-7BC92C4097F5}"/>
-    <dgm:cxn modelId="{286E8DB6-F861-7F4E-AFAC-F03FCCB0A0D3}" type="presOf" srcId="{143FA331-207A-FB44-95B6-33975FD87FDC}" destId="{5B8A5EAC-F374-8749-ABFB-442563EAAA49}" srcOrd="0" destOrd="1" presId="urn:microsoft.com/office/officeart/2005/8/layout/chevron2"/>
-    <dgm:cxn modelId="{B04ACE61-0782-F340-ACEE-AA660951C2C5}" type="presOf" srcId="{CD3EE61A-3261-DE45-A67E-A282B40BAA49}" destId="{5B8A5EAC-F374-8749-ABFB-442563EAAA49}" srcOrd="0" destOrd="3" presId="urn:microsoft.com/office/officeart/2005/8/layout/chevron2"/>
-    <dgm:cxn modelId="{76F15549-8DD1-8C48-88DB-49DDA7E8FF24}" srcId="{941FB597-D415-D841-A3D3-4D74358CFD6F}" destId="{6A3D1B9B-4EE3-0346-BF55-38B0EB3CED49}" srcOrd="1" destOrd="0" parTransId="{58C40E8C-09B0-D348-8120-4B459DEECE01}" sibTransId="{293C0A55-E734-C44F-9A7A-DDB203203720}"/>
-    <dgm:cxn modelId="{11C55362-2A44-EB4D-BE07-59EBAB4A64B7}" type="presOf" srcId="{4F196CFB-70BA-7341-A499-D6F7E784872D}" destId="{B65F8B5F-B0C6-6844-9F2E-16D5C3D21999}" srcOrd="0" destOrd="1" presId="urn:microsoft.com/office/officeart/2005/8/layout/chevron2"/>
-    <dgm:cxn modelId="{1B1069C9-8FDD-0942-86BE-868613EE5427}" srcId="{226CFD69-A1B4-7E4D-9319-4B2B9840834C}" destId="{694BB224-9012-8248-B7E9-D394F1E04B5C}" srcOrd="0" destOrd="0" parTransId="{A66825CF-16FF-974B-BA22-3FC5195D92F0}" sibTransId="{AD03ED77-CF39-9F46-B367-8CB39B18E6F9}"/>
-    <dgm:cxn modelId="{52CF3C4D-3924-484B-82A5-7FBBB96CAEED}" srcId="{941FB597-D415-D841-A3D3-4D74358CFD6F}" destId="{AEFEEA83-8B56-E040-A17F-F84A72261900}" srcOrd="0" destOrd="0" parTransId="{60706C9F-1C1D-A143-BA2F-805EB5DAE698}" sibTransId="{724CD489-2952-3E40-9F7D-295911ABDC29}"/>
-    <dgm:cxn modelId="{E4AF2966-81D3-DC41-AC5A-2BD67B5142E4}" srcId="{941FB597-D415-D841-A3D3-4D74358CFD6F}" destId="{7DEA2B3A-ADB0-D34C-9C47-8DB124E8165E}" srcOrd="3" destOrd="0" parTransId="{861CBA89-0CEE-EE42-9C35-1883E035DC9F}" sibTransId="{2E3676A6-1DD8-FC42-924D-09C81DC08419}"/>
-    <dgm:cxn modelId="{249CAB7C-8B78-CA4A-BF80-19FC5138DC81}" type="presOf" srcId="{AEFEEA83-8B56-E040-A17F-F84A72261900}" destId="{9E6A5364-8321-5349-BF23-21D46AD7929D}" srcOrd="0" destOrd="0" presId="urn:microsoft.com/office/officeart/2005/8/layout/chevron2"/>
-    <dgm:cxn modelId="{1FB634A8-D201-1549-8D1C-98357D8F405F}" srcId="{E2F11381-B3FC-A144-ABCB-4102E8B32BA4}" destId="{941FB597-D415-D841-A3D3-4D74358CFD6F}" srcOrd="2" destOrd="0" parTransId="{C4E8DE3A-597F-AB4B-9C63-79C6B0610320}" sibTransId="{000C6CC6-1A7C-D842-B2E2-6C8B672C1408}"/>
-    <dgm:cxn modelId="{5683073B-F139-2447-BF1E-E5C49F5BB15A}" type="presOf" srcId="{3454FA1B-1351-2244-80FD-1D8568524E12}" destId="{B65F8B5F-B0C6-6844-9F2E-16D5C3D21999}" srcOrd="0" destOrd="0" presId="urn:microsoft.com/office/officeart/2005/8/layout/chevron2"/>
-    <dgm:cxn modelId="{175FCA50-D5EB-2546-AD64-D1E389A90B19}" type="presOf" srcId="{024D6ECA-8252-A141-A60B-F7DD96BC2C13}" destId="{CB179610-4A89-D542-91BC-913C17562D3C}" srcOrd="0" destOrd="0" presId="urn:microsoft.com/office/officeart/2005/8/layout/chevron2"/>
-    <dgm:cxn modelId="{45F7E450-1CE1-6A47-84D8-F55E46195F10}" srcId="{E2F11381-B3FC-A144-ABCB-4102E8B32BA4}" destId="{024D6ECA-8252-A141-A60B-F7DD96BC2C13}" srcOrd="1" destOrd="0" parTransId="{79C6F8EC-C0CA-E344-9327-BB227DAB0924}" sibTransId="{B1B5A5EE-60E7-FD41-A0F6-157C94139A63}"/>
+    <dgm:cxn modelId="{6F3AD6DE-8768-994A-B7ED-7173CEF476C7}" type="presOf" srcId="{7DEA2B3A-ADB0-D34C-9C47-8DB124E8165E}" destId="{9E6A5364-8321-5349-BF23-21D46AD7929D}" srcOrd="0" destOrd="3" presId="urn:microsoft.com/office/officeart/2005/8/layout/chevron2"/>
     <dgm:cxn modelId="{5D071C52-9209-EF49-9E72-0D085BB52590}" srcId="{024D6ECA-8252-A141-A60B-F7DD96BC2C13}" destId="{4F196CFB-70BA-7341-A499-D6F7E784872D}" srcOrd="1" destOrd="0" parTransId="{F64BE203-1296-7E4C-9CFB-840B0F594D86}" sibTransId="{B75D0E16-241B-E64A-98CF-0B7A23241445}"/>
-    <dgm:cxn modelId="{F48C4FEC-CCBE-E348-9834-407589229103}" type="presOf" srcId="{226CFD69-A1B4-7E4D-9319-4B2B9840834C}" destId="{C65D6A9D-3FC1-2E47-A44E-3473A315A62B}" srcOrd="0" destOrd="0" presId="urn:microsoft.com/office/officeart/2005/8/layout/chevron2"/>
-    <dgm:cxn modelId="{779AD7BF-EE01-CE43-B1BE-F021FD2D2BC8}" type="presOf" srcId="{E2F11381-B3FC-A144-ABCB-4102E8B32BA4}" destId="{B3339FDC-AA9E-B14B-AE30-CEA9C6CDCA47}" srcOrd="0" destOrd="0" presId="urn:microsoft.com/office/officeart/2005/8/layout/chevron2"/>
     <dgm:cxn modelId="{997E1434-9344-3A4E-9683-4DEC9EBE7337}" type="presParOf" srcId="{B3339FDC-AA9E-B14B-AE30-CEA9C6CDCA47}" destId="{A4862EEC-F602-0045-B0C2-A3705159318B}" srcOrd="0" destOrd="0" presId="urn:microsoft.com/office/officeart/2005/8/layout/chevron2"/>
     <dgm:cxn modelId="{C9F9C2F8-D952-CE40-A4C5-5D85F4F808CA}" type="presParOf" srcId="{A4862EEC-F602-0045-B0C2-A3705159318B}" destId="{C65D6A9D-3FC1-2E47-A44E-3473A315A62B}" srcOrd="0" destOrd="0" presId="urn:microsoft.com/office/officeart/2005/8/layout/chevron2"/>
     <dgm:cxn modelId="{514B2517-FA3F-894D-9019-4C432B64F950}" type="presParOf" srcId="{A4862EEC-F602-0045-B0C2-A3705159318B}" destId="{5B8A5EAC-F374-8749-ABFB-442563EAAA49}" srcOrd="1" destOrd="0" presId="urn:microsoft.com/office/officeart/2005/8/layout/chevron2"/>
@@ -18250,6 +18338,13 @@
   <p:clrMapOvr>
     <a:masterClrMapping/>
   </p:clrMapOvr>
+  <p:timing>
+    <p:tnLst>
+      <p:par>
+        <p:cTn xmlns:p14="http://schemas.microsoft.com/office/powerpoint/2010/main" id="1" dur="indefinite" restart="never" nodeType="tmRoot"/>
+      </p:par>
+    </p:tnLst>
+  </p:timing>
 </p:sld>
 </file>
 
@@ -18286,56 +18381,49 @@
           <a:lstStyle/>
           <a:p>
             <a:r>
-              <a:rPr lang="en-US" dirty="0" smtClean="0"/>
-              <a:t>This module is implemented as a </a:t>
-            </a:r>
-            <a:r>
-              <a:rPr lang="en-US" dirty="0" err="1" smtClean="0"/>
-              <a:t>Node.js</a:t>
-            </a:r>
-            <a:r>
-              <a:rPr lang="en-US" dirty="0" smtClean="0"/>
-              <a:t> module</a:t>
-            </a:r>
-          </a:p>
-          <a:p>
-            <a:r>
-              <a:rPr lang="en-US" dirty="0" smtClean="0"/>
-              <a:t>It does very little per-se</a:t>
-            </a:r>
-          </a:p>
-          <a:p>
-            <a:pPr lvl="1"/>
-            <a:r>
-              <a:rPr lang="en-US" dirty="0" smtClean="0"/>
-              <a:t>Serve frontend resources over http</a:t>
-            </a:r>
-          </a:p>
-          <a:p>
-            <a:pPr lvl="1"/>
-            <a:r>
-              <a:rPr lang="en-US" dirty="0" smtClean="0"/>
-              <a:t>Transmit request/responses between a4cli and frontend </a:t>
-            </a:r>
-          </a:p>
-          <a:p>
-            <a:r>
-              <a:rPr lang="en-US" dirty="0" smtClean="0"/>
-              <a:t>As usual, all dependencies (require(‘xxx’)) are located under </a:t>
-            </a:r>
-            <a:r>
-              <a:rPr lang="en-US" dirty="0" err="1" smtClean="0">
+              <a:rPr lang="en-US" dirty="0" err="1">
                 <a:solidFill>
                   <a:srgbClr val="FF0000"/>
                 </a:solidFill>
               </a:rPr>
-              <a:t>node_modules</a:t>
-            </a:r>
-            <a:endParaRPr lang="en-US" dirty="0">
-              <a:solidFill>
-                <a:srgbClr val="FF0000"/>
-              </a:solidFill>
-            </a:endParaRPr>
+              <a:t>ReporterResult</a:t>
+            </a:r>
+            <a:r>
+              <a:rPr lang="en-US" dirty="0">
+                <a:solidFill>
+                  <a:srgbClr val="FF0000"/>
+                </a:solidFill>
+              </a:rPr>
+              <a:t> </a:t>
+            </a:r>
+            <a:r>
+              <a:rPr lang="en-US" dirty="0"/>
+              <a:t>is </a:t>
+            </a:r>
+            <a:r>
+              <a:rPr lang="en-US" dirty="0" smtClean="0"/>
+              <a:t>the </a:t>
+            </a:r>
+            <a:r>
+              <a:rPr lang="en-US" dirty="0"/>
+              <a:t>most important class in this module. </a:t>
+            </a:r>
+            <a:endParaRPr lang="en-US" dirty="0" smtClean="0"/>
+          </a:p>
+          <a:p>
+            <a:r>
+              <a:rPr lang="en-US" dirty="0" smtClean="0"/>
+              <a:t>It </a:t>
+            </a:r>
+            <a:r>
+              <a:rPr lang="en-US" dirty="0"/>
+              <a:t>is probably the </a:t>
+            </a:r>
+            <a:r>
+              <a:rPr lang="en-US" dirty="0" smtClean="0"/>
+              <a:t>place you are looking for if you want to change anything in this module.</a:t>
+            </a:r>
+            <a:endParaRPr lang="en-US" dirty="0"/>
           </a:p>
         </p:txBody>
       </p:sp>
@@ -18356,7 +18444,7 @@
           <a:p>
             <a:r>
               <a:rPr lang="en-US" dirty="0" smtClean="0"/>
-              <a:t>Module : Backend </a:t>
+              <a:t>A4cli : relevant classes</a:t>
             </a:r>
             <a:endParaRPr lang="en-US" dirty="0"/>
           </a:p>
@@ -18365,13 +18453,20 @@
     </p:spTree>
     <p:extLst>
       <p:ext uri="{BB962C8B-B14F-4D97-AF65-F5344CB8AC3E}">
-        <p14:creationId xmlns:p14="http://schemas.microsoft.com/office/powerpoint/2010/main" val="1513112787"/>
+        <p14:creationId xmlns:p14="http://schemas.microsoft.com/office/powerpoint/2010/main" val="1723508843"/>
       </p:ext>
     </p:extLst>
   </p:cSld>
   <p:clrMapOvr>
     <a:masterClrMapping/>
   </p:clrMapOvr>
+  <p:timing>
+    <p:tnLst>
+      <p:par>
+        <p:cTn xmlns:p14="http://schemas.microsoft.com/office/powerpoint/2010/main" id="1" dur="indefinite" restart="never" nodeType="tmRoot"/>
+      </p:par>
+    </p:tnLst>
+  </p:timing>
 </p:sld>
 </file>
 
@@ -18394,164 +18489,7 @@
       </p:grpSpPr>
       <p:sp>
         <p:nvSpPr>
-          <p:cNvPr id="2" name="Espace réservé du contenu 1"/>
-          <p:cNvSpPr>
-            <a:spLocks noGrp="1"/>
-          </p:cNvSpPr>
-          <p:nvPr>
-            <p:ph idx="1"/>
-          </p:nvPr>
-        </p:nvSpPr>
-        <p:spPr/>
-        <p:txBody>
-          <a:bodyPr>
-            <a:normAutofit fontScale="92500" lnSpcReduction="10000"/>
-          </a:bodyPr>
-          <a:lstStyle/>
-          <a:p>
-            <a:r>
-              <a:rPr lang="en-US" b="1" dirty="0" err="1" smtClean="0"/>
-              <a:t>alloy.js</a:t>
-            </a:r>
-            <a:endParaRPr lang="en-US" b="1" dirty="0" smtClean="0"/>
-          </a:p>
-          <a:p>
-            <a:pPr lvl="1"/>
-            <a:r>
-              <a:rPr lang="en-US" dirty="0" smtClean="0"/>
-              <a:t>This is the application entry point.</a:t>
-            </a:r>
-          </a:p>
-          <a:p>
-            <a:pPr lvl="1"/>
-            <a:r>
-              <a:rPr lang="en-US" dirty="0" smtClean="0"/>
-              <a:t>Loads the necessary modules</a:t>
-            </a:r>
-          </a:p>
-          <a:p>
-            <a:pPr lvl="1"/>
-            <a:r>
-              <a:rPr lang="en-US" dirty="0" smtClean="0">
-                <a:solidFill>
-                  <a:srgbClr val="FF0000"/>
-                </a:solidFill>
-              </a:rPr>
-              <a:t>Interacts with frontend using </a:t>
-            </a:r>
-            <a:r>
-              <a:rPr lang="en-US" dirty="0" err="1" smtClean="0">
-                <a:solidFill>
-                  <a:srgbClr val="FF0000"/>
-                </a:solidFill>
-              </a:rPr>
-              <a:t>websockets</a:t>
-            </a:r>
-            <a:r>
-              <a:rPr lang="en-US" dirty="0" smtClean="0">
-                <a:solidFill>
-                  <a:srgbClr val="FF0000"/>
-                </a:solidFill>
-              </a:rPr>
-              <a:t> (</a:t>
-            </a:r>
-            <a:r>
-              <a:rPr lang="en-US" dirty="0" err="1" smtClean="0">
-                <a:solidFill>
-                  <a:srgbClr val="FF0000"/>
-                </a:solidFill>
-              </a:rPr>
-              <a:t>socket.io</a:t>
-            </a:r>
-            <a:r>
-              <a:rPr lang="en-US" dirty="0" smtClean="0">
-                <a:solidFill>
-                  <a:srgbClr val="FF0000"/>
-                </a:solidFill>
-              </a:rPr>
-              <a:t>)</a:t>
-            </a:r>
-            <a:r>
-              <a:rPr lang="en-US" dirty="0" smtClean="0"/>
-              <a:t>.</a:t>
-            </a:r>
-          </a:p>
-          <a:p>
-            <a:pPr lvl="2"/>
-            <a:r>
-              <a:rPr lang="en-US" dirty="0" smtClean="0"/>
-              <a:t>This is an easy way to maintain context about the client on the server and react appropriately </a:t>
-            </a:r>
-            <a:r>
-              <a:rPr lang="en-US" dirty="0"/>
-              <a:t>to an ‘</a:t>
-            </a:r>
-            <a:r>
-              <a:rPr lang="en-US" dirty="0" err="1" smtClean="0"/>
-              <a:t>abort_execution</a:t>
-            </a:r>
-            <a:r>
-              <a:rPr lang="en-US" dirty="0" smtClean="0"/>
-              <a:t>’</a:t>
-            </a:r>
-          </a:p>
-          <a:p>
-            <a:r>
-              <a:rPr lang="en-US" b="1" dirty="0" err="1"/>
-              <a:t>i</a:t>
-            </a:r>
-            <a:r>
-              <a:rPr lang="en-US" b="1" dirty="0" err="1" smtClean="0"/>
-              <a:t>nstance_resolution.js</a:t>
-            </a:r>
-            <a:endParaRPr lang="en-US" b="1" dirty="0" smtClean="0"/>
-          </a:p>
-          <a:p>
-            <a:pPr lvl="1"/>
-            <a:r>
-              <a:rPr lang="en-US" dirty="0" smtClean="0"/>
-              <a:t>This module seems complex but isn’t in reality.</a:t>
-            </a:r>
-          </a:p>
-          <a:p>
-            <a:pPr lvl="1"/>
-            <a:r>
-              <a:rPr lang="en-US" dirty="0" smtClean="0"/>
-              <a:t>Writes all user modules to a temp file 		(</a:t>
-            </a:r>
-            <a:r>
-              <a:rPr lang="en-US" dirty="0" err="1" smtClean="0"/>
-              <a:t>async</a:t>
-            </a:r>
-            <a:r>
-              <a:rPr lang="en-US" dirty="0" smtClean="0"/>
-              <a:t>)</a:t>
-            </a:r>
-          </a:p>
-          <a:p>
-            <a:pPr lvl="1"/>
-            <a:r>
-              <a:rPr lang="en-US" dirty="0" smtClean="0"/>
-              <a:t>Spawns a java process running a4cli and reacts 	(</a:t>
-            </a:r>
-            <a:r>
-              <a:rPr lang="en-US" dirty="0" err="1" smtClean="0"/>
-              <a:t>async</a:t>
-            </a:r>
-            <a:r>
-              <a:rPr lang="en-US" dirty="0" smtClean="0"/>
-              <a:t>)</a:t>
-            </a:r>
-          </a:p>
-          <a:p>
-            <a:pPr lvl="1"/>
-            <a:endParaRPr lang="en-US" dirty="0"/>
-          </a:p>
-        </p:txBody>
-      </p:sp>
-      <p:sp>
-        <p:nvSpPr>
-          <p:cNvPr id="3" name="Titre 2"/>
+          <p:cNvPr id="2" name="Titre 1"/>
           <p:cNvSpPr>
             <a:spLocks noGrp="1"/>
           </p:cNvSpPr>
@@ -18566,7 +18504,30 @@
           <a:p>
             <a:r>
               <a:rPr lang="en-US" dirty="0" smtClean="0"/>
-              <a:t>Backend : relevant modules</a:t>
+              <a:t>The backend module</a:t>
+            </a:r>
+            <a:endParaRPr lang="en-US" dirty="0"/>
+          </a:p>
+        </p:txBody>
+      </p:sp>
+      <p:sp>
+        <p:nvSpPr>
+          <p:cNvPr id="3" name="Espace réservé du texte 2"/>
+          <p:cNvSpPr>
+            <a:spLocks noGrp="1"/>
+          </p:cNvSpPr>
+          <p:nvPr>
+            <p:ph type="body" idx="1"/>
+          </p:nvPr>
+        </p:nvSpPr>
+        <p:spPr/>
+        <p:txBody>
+          <a:bodyPr/>
+          <a:lstStyle/>
+          <a:p>
+            <a:r>
+              <a:rPr lang="en-US" dirty="0" smtClean="0"/>
+              <a:t>The server’s entry point</a:t>
             </a:r>
             <a:endParaRPr lang="en-US" dirty="0"/>
           </a:p>
@@ -18575,20 +18536,13 @@
     </p:spTree>
     <p:extLst>
       <p:ext uri="{BB962C8B-B14F-4D97-AF65-F5344CB8AC3E}">
-        <p14:creationId xmlns:p14="http://schemas.microsoft.com/office/powerpoint/2010/main" val="602828887"/>
+        <p14:creationId xmlns:p14="http://schemas.microsoft.com/office/powerpoint/2010/main" val="3954542735"/>
       </p:ext>
     </p:extLst>
   </p:cSld>
   <p:clrMapOvr>
     <a:masterClrMapping/>
   </p:clrMapOvr>
-  <p:timing>
-    <p:tnLst>
-      <p:par>
-        <p:cTn xmlns:p14="http://schemas.microsoft.com/office/powerpoint/2010/main" id="1" dur="indefinite" restart="never" nodeType="tmRoot"/>
-      </p:par>
-    </p:tnLst>
-  </p:timing>
 </p:sld>
 </file>
 
@@ -18624,6 +18578,356 @@
           <a:bodyPr/>
           <a:lstStyle/>
           <a:p>
+            <a:r>
+              <a:rPr lang="en-US" dirty="0" smtClean="0"/>
+              <a:t>This module is implemented as a </a:t>
+            </a:r>
+            <a:r>
+              <a:rPr lang="en-US" dirty="0" err="1" smtClean="0"/>
+              <a:t>Node.js</a:t>
+            </a:r>
+            <a:r>
+              <a:rPr lang="en-US" dirty="0" smtClean="0"/>
+              <a:t> module</a:t>
+            </a:r>
+          </a:p>
+          <a:p>
+            <a:r>
+              <a:rPr lang="en-US" dirty="0" smtClean="0"/>
+              <a:t>It does very little per-se</a:t>
+            </a:r>
+          </a:p>
+          <a:p>
+            <a:pPr lvl="1"/>
+            <a:r>
+              <a:rPr lang="en-US" dirty="0" smtClean="0"/>
+              <a:t>Serve frontend resources over http</a:t>
+            </a:r>
+          </a:p>
+          <a:p>
+            <a:pPr lvl="1"/>
+            <a:r>
+              <a:rPr lang="en-US" dirty="0" smtClean="0"/>
+              <a:t>Transmit request/responses between a4cli and frontend </a:t>
+            </a:r>
+          </a:p>
+          <a:p>
+            <a:r>
+              <a:rPr lang="en-US" dirty="0" smtClean="0"/>
+              <a:t>As usual, all dependencies (require(‘xxx’)) are located under </a:t>
+            </a:r>
+            <a:r>
+              <a:rPr lang="en-US" dirty="0" err="1" smtClean="0">
+                <a:solidFill>
+                  <a:srgbClr val="FF0000"/>
+                </a:solidFill>
+              </a:rPr>
+              <a:t>node_modules</a:t>
+            </a:r>
+            <a:endParaRPr lang="en-US" dirty="0">
+              <a:solidFill>
+                <a:srgbClr val="FF0000"/>
+              </a:solidFill>
+            </a:endParaRPr>
+          </a:p>
+        </p:txBody>
+      </p:sp>
+      <p:sp>
+        <p:nvSpPr>
+          <p:cNvPr id="3" name="Titre 2"/>
+          <p:cNvSpPr>
+            <a:spLocks noGrp="1"/>
+          </p:cNvSpPr>
+          <p:nvPr>
+            <p:ph type="title"/>
+          </p:nvPr>
+        </p:nvSpPr>
+        <p:spPr/>
+        <p:txBody>
+          <a:bodyPr/>
+          <a:lstStyle/>
+          <a:p>
+            <a:r>
+              <a:rPr lang="en-US" dirty="0" smtClean="0"/>
+              <a:t>Component: </a:t>
+            </a:r>
+            <a:r>
+              <a:rPr lang="en-US" dirty="0" smtClean="0"/>
+              <a:t>Backend </a:t>
+            </a:r>
+            <a:endParaRPr lang="en-US" dirty="0"/>
+          </a:p>
+        </p:txBody>
+      </p:sp>
+    </p:spTree>
+    <p:extLst>
+      <p:ext uri="{BB962C8B-B14F-4D97-AF65-F5344CB8AC3E}">
+        <p14:creationId xmlns:p14="http://schemas.microsoft.com/office/powerpoint/2010/main" val="1513112787"/>
+      </p:ext>
+    </p:extLst>
+  </p:cSld>
+  <p:clrMapOvr>
+    <a:masterClrMapping/>
+  </p:clrMapOvr>
+  <p:timing>
+    <p:tnLst>
+      <p:par>
+        <p:cTn xmlns:p14="http://schemas.microsoft.com/office/powerpoint/2010/main" id="1" dur="indefinite" restart="never" nodeType="tmRoot"/>
+      </p:par>
+    </p:tnLst>
+  </p:timing>
+</p:sld>
+</file>
+
+<file path=ppt/slides/slide13.xml><?xml version="1.0" encoding="utf-8"?>
+<p:sld xmlns:a="http://schemas.openxmlformats.org/drawingml/2006/main" xmlns:r="http://schemas.openxmlformats.org/officeDocument/2006/relationships" xmlns:p="http://schemas.openxmlformats.org/presentationml/2006/main">
+  <p:cSld>
+    <p:spTree>
+      <p:nvGrpSpPr>
+        <p:cNvPr id="1" name=""/>
+        <p:cNvGrpSpPr/>
+        <p:nvPr/>
+      </p:nvGrpSpPr>
+      <p:grpSpPr>
+        <a:xfrm>
+          <a:off x="0" y="0"/>
+          <a:ext cx="0" cy="0"/>
+          <a:chOff x="0" y="0"/>
+          <a:chExt cx="0" cy="0"/>
+        </a:xfrm>
+      </p:grpSpPr>
+      <p:sp>
+        <p:nvSpPr>
+          <p:cNvPr id="2" name="Espace réservé du contenu 1"/>
+          <p:cNvSpPr>
+            <a:spLocks noGrp="1"/>
+          </p:cNvSpPr>
+          <p:nvPr>
+            <p:ph idx="1"/>
+          </p:nvPr>
+        </p:nvSpPr>
+        <p:spPr/>
+        <p:txBody>
+          <a:bodyPr>
+            <a:normAutofit fontScale="92500" lnSpcReduction="10000"/>
+          </a:bodyPr>
+          <a:lstStyle/>
+          <a:p>
+            <a:r>
+              <a:rPr lang="en-US" b="1" dirty="0" err="1" smtClean="0"/>
+              <a:t>alloy.js</a:t>
+            </a:r>
+            <a:endParaRPr lang="en-US" b="1" dirty="0" smtClean="0"/>
+          </a:p>
+          <a:p>
+            <a:pPr lvl="1"/>
+            <a:r>
+              <a:rPr lang="en-US" dirty="0" smtClean="0"/>
+              <a:t>This is the application entry point.</a:t>
+            </a:r>
+          </a:p>
+          <a:p>
+            <a:pPr lvl="1"/>
+            <a:r>
+              <a:rPr lang="en-US" dirty="0" smtClean="0"/>
+              <a:t>Loads the necessary modules</a:t>
+            </a:r>
+          </a:p>
+          <a:p>
+            <a:pPr lvl="1"/>
+            <a:r>
+              <a:rPr lang="en-US" dirty="0" smtClean="0">
+                <a:solidFill>
+                  <a:srgbClr val="FF0000"/>
+                </a:solidFill>
+              </a:rPr>
+              <a:t>Interacts with frontend using </a:t>
+            </a:r>
+            <a:r>
+              <a:rPr lang="en-US" dirty="0" err="1" smtClean="0">
+                <a:solidFill>
+                  <a:srgbClr val="FF0000"/>
+                </a:solidFill>
+              </a:rPr>
+              <a:t>websockets</a:t>
+            </a:r>
+            <a:r>
+              <a:rPr lang="en-US" dirty="0" smtClean="0">
+                <a:solidFill>
+                  <a:srgbClr val="FF0000"/>
+                </a:solidFill>
+              </a:rPr>
+              <a:t> (</a:t>
+            </a:r>
+            <a:r>
+              <a:rPr lang="en-US" dirty="0" err="1" smtClean="0">
+                <a:solidFill>
+                  <a:srgbClr val="FF0000"/>
+                </a:solidFill>
+              </a:rPr>
+              <a:t>socket.io</a:t>
+            </a:r>
+            <a:r>
+              <a:rPr lang="en-US" dirty="0" smtClean="0">
+                <a:solidFill>
+                  <a:srgbClr val="FF0000"/>
+                </a:solidFill>
+              </a:rPr>
+              <a:t>)</a:t>
+            </a:r>
+            <a:r>
+              <a:rPr lang="en-US" dirty="0" smtClean="0"/>
+              <a:t>.</a:t>
+            </a:r>
+          </a:p>
+          <a:p>
+            <a:pPr lvl="2"/>
+            <a:r>
+              <a:rPr lang="en-US" dirty="0" smtClean="0"/>
+              <a:t>This is an easy way to maintain context about the client on the server and react appropriately </a:t>
+            </a:r>
+            <a:r>
+              <a:rPr lang="en-US" dirty="0"/>
+              <a:t>to an ‘</a:t>
+            </a:r>
+            <a:r>
+              <a:rPr lang="en-US" dirty="0" err="1" smtClean="0"/>
+              <a:t>abort_execution</a:t>
+            </a:r>
+            <a:r>
+              <a:rPr lang="en-US" dirty="0" smtClean="0"/>
+              <a:t>’</a:t>
+            </a:r>
+          </a:p>
+          <a:p>
+            <a:r>
+              <a:rPr lang="en-US" b="1" dirty="0" err="1"/>
+              <a:t>i</a:t>
+            </a:r>
+            <a:r>
+              <a:rPr lang="en-US" b="1" dirty="0" err="1" smtClean="0"/>
+              <a:t>nstance_resolution.js</a:t>
+            </a:r>
+            <a:endParaRPr lang="en-US" b="1" dirty="0" smtClean="0"/>
+          </a:p>
+          <a:p>
+            <a:pPr lvl="1"/>
+            <a:r>
+              <a:rPr lang="en-US" dirty="0" smtClean="0"/>
+              <a:t>This module seems complex but isn’t in reality.</a:t>
+            </a:r>
+          </a:p>
+          <a:p>
+            <a:pPr lvl="1"/>
+            <a:r>
+              <a:rPr lang="en-US" dirty="0" smtClean="0"/>
+              <a:t>Writes all user modules to a temp file 		(</a:t>
+            </a:r>
+            <a:r>
+              <a:rPr lang="en-US" dirty="0" err="1" smtClean="0"/>
+              <a:t>async</a:t>
+            </a:r>
+            <a:r>
+              <a:rPr lang="en-US" dirty="0" smtClean="0"/>
+              <a:t>)</a:t>
+            </a:r>
+          </a:p>
+          <a:p>
+            <a:pPr lvl="1"/>
+            <a:r>
+              <a:rPr lang="en-US" dirty="0" smtClean="0"/>
+              <a:t>Spawns a java process running a4cli and reacts 	(</a:t>
+            </a:r>
+            <a:r>
+              <a:rPr lang="en-US" dirty="0" err="1" smtClean="0"/>
+              <a:t>async</a:t>
+            </a:r>
+            <a:r>
+              <a:rPr lang="en-US" dirty="0" smtClean="0"/>
+              <a:t>)</a:t>
+            </a:r>
+          </a:p>
+          <a:p>
+            <a:pPr lvl="1"/>
+            <a:endParaRPr lang="en-US" dirty="0"/>
+          </a:p>
+        </p:txBody>
+      </p:sp>
+      <p:sp>
+        <p:nvSpPr>
+          <p:cNvPr id="3" name="Titre 2"/>
+          <p:cNvSpPr>
+            <a:spLocks noGrp="1"/>
+          </p:cNvSpPr>
+          <p:nvPr>
+            <p:ph type="title"/>
+          </p:nvPr>
+        </p:nvSpPr>
+        <p:spPr/>
+        <p:txBody>
+          <a:bodyPr/>
+          <a:lstStyle/>
+          <a:p>
+            <a:r>
+              <a:rPr lang="en-US" dirty="0" smtClean="0"/>
+              <a:t>Backend : relevant modules</a:t>
+            </a:r>
+            <a:endParaRPr lang="en-US" dirty="0"/>
+          </a:p>
+        </p:txBody>
+      </p:sp>
+    </p:spTree>
+    <p:extLst>
+      <p:ext uri="{BB962C8B-B14F-4D97-AF65-F5344CB8AC3E}">
+        <p14:creationId xmlns:p14="http://schemas.microsoft.com/office/powerpoint/2010/main" val="602828887"/>
+      </p:ext>
+    </p:extLst>
+  </p:cSld>
+  <p:clrMapOvr>
+    <a:masterClrMapping/>
+  </p:clrMapOvr>
+  <p:timing>
+    <p:tnLst>
+      <p:par>
+        <p:cTn xmlns:p14="http://schemas.microsoft.com/office/powerpoint/2010/main" id="1" dur="indefinite" restart="never" nodeType="tmRoot"/>
+      </p:par>
+    </p:tnLst>
+  </p:timing>
+</p:sld>
+</file>
+
+<file path=ppt/slides/slide14.xml><?xml version="1.0" encoding="utf-8"?>
+<p:sld xmlns:a="http://schemas.openxmlformats.org/drawingml/2006/main" xmlns:r="http://schemas.openxmlformats.org/officeDocument/2006/relationships" xmlns:p="http://schemas.openxmlformats.org/presentationml/2006/main">
+  <p:cSld>
+    <p:spTree>
+      <p:nvGrpSpPr>
+        <p:cNvPr id="1" name=""/>
+        <p:cNvGrpSpPr/>
+        <p:nvPr/>
+      </p:nvGrpSpPr>
+      <p:grpSpPr>
+        <a:xfrm>
+          <a:off x="0" y="0"/>
+          <a:ext cx="0" cy="0"/>
+          <a:chOff x="0" y="0"/>
+          <a:chExt cx="0" cy="0"/>
+        </a:xfrm>
+      </p:grpSpPr>
+      <p:sp>
+        <p:nvSpPr>
+          <p:cNvPr id="2" name="Espace réservé du contenu 1"/>
+          <p:cNvSpPr>
+            <a:spLocks noGrp="1"/>
+          </p:cNvSpPr>
+          <p:nvPr>
+            <p:ph idx="1"/>
+          </p:nvPr>
+        </p:nvSpPr>
+        <p:spPr/>
+        <p:txBody>
+          <a:bodyPr/>
+          <a:lstStyle/>
+          <a:p>
             <a:pPr marL="0" indent="0">
               <a:buNone/>
             </a:pPr>
@@ -18727,6 +19031,839 @@
       </p:par>
     </p:tnLst>
   </p:timing>
+</p:sld>
+</file>
+
+<file path=ppt/slides/slide15.xml><?xml version="1.0" encoding="utf-8"?>
+<p:sld xmlns:a="http://schemas.openxmlformats.org/drawingml/2006/main" xmlns:r="http://schemas.openxmlformats.org/officeDocument/2006/relationships" xmlns:p="http://schemas.openxmlformats.org/presentationml/2006/main">
+  <p:cSld>
+    <p:spTree>
+      <p:nvGrpSpPr>
+        <p:cNvPr id="1" name=""/>
+        <p:cNvGrpSpPr/>
+        <p:nvPr/>
+      </p:nvGrpSpPr>
+      <p:grpSpPr>
+        <a:xfrm>
+          <a:off x="0" y="0"/>
+          <a:ext cx="0" cy="0"/>
+          <a:chOff x="0" y="0"/>
+          <a:chExt cx="0" cy="0"/>
+        </a:xfrm>
+      </p:grpSpPr>
+      <p:sp>
+        <p:nvSpPr>
+          <p:cNvPr id="2" name="Espace réservé du contenu 1"/>
+          <p:cNvSpPr>
+            <a:spLocks noGrp="1"/>
+          </p:cNvSpPr>
+          <p:nvPr>
+            <p:ph idx="1"/>
+          </p:nvPr>
+        </p:nvSpPr>
+        <p:spPr/>
+        <p:txBody>
+          <a:bodyPr>
+            <a:normAutofit fontScale="92500" lnSpcReduction="10000"/>
+          </a:bodyPr>
+          <a:lstStyle/>
+          <a:p>
+            <a:r>
+              <a:rPr lang="en-US" dirty="0" smtClean="0"/>
+              <a:t>In the module </a:t>
+            </a:r>
+            <a:r>
+              <a:rPr lang="en-US" b="1" dirty="0" err="1" smtClean="0">
+                <a:solidFill>
+                  <a:srgbClr val="FF0000"/>
+                </a:solidFill>
+              </a:rPr>
+              <a:t>alloy.js</a:t>
+            </a:r>
+            <a:endParaRPr lang="en-US" dirty="0" smtClean="0"/>
+          </a:p>
+          <a:p>
+            <a:pPr lvl="1"/>
+            <a:r>
+              <a:rPr lang="en-US" dirty="0" smtClean="0"/>
+              <a:t>Search for the place where the client socket is acquired</a:t>
+            </a:r>
+          </a:p>
+          <a:p>
+            <a:pPr marL="627063" lvl="2" indent="0">
+              <a:buNone/>
+            </a:pPr>
+            <a:r>
+              <a:rPr lang="en-US" b="1" dirty="0" err="1">
+                <a:solidFill>
+                  <a:schemeClr val="accent5">
+                    <a:lumMod val="75000"/>
+                  </a:schemeClr>
+                </a:solidFill>
+              </a:rPr>
+              <a:t>io.on</a:t>
+            </a:r>
+            <a:r>
+              <a:rPr lang="en-US" b="1" dirty="0">
+                <a:solidFill>
+                  <a:schemeClr val="accent5">
+                    <a:lumMod val="75000"/>
+                  </a:schemeClr>
+                </a:solidFill>
+              </a:rPr>
+              <a:t>('connection', function(socket)</a:t>
+            </a:r>
+            <a:r>
+              <a:rPr lang="en-US" b="1" dirty="0" smtClean="0">
+                <a:solidFill>
+                  <a:schemeClr val="accent5">
+                    <a:lumMod val="75000"/>
+                  </a:schemeClr>
+                </a:solidFill>
+              </a:rPr>
+              <a:t>{ … }</a:t>
+            </a:r>
+          </a:p>
+          <a:p>
+            <a:pPr lvl="1"/>
+            <a:r>
+              <a:rPr lang="en-US" dirty="0" smtClean="0"/>
+              <a:t>Add an event handler for the action you want to take</a:t>
+            </a:r>
+          </a:p>
+          <a:p>
+            <a:pPr marL="301943" lvl="1" indent="0">
+              <a:buNone/>
+            </a:pPr>
+            <a:r>
+              <a:rPr lang="en-US" dirty="0"/>
+              <a:t>	 </a:t>
+            </a:r>
+            <a:r>
+              <a:rPr lang="en-US" dirty="0" smtClean="0"/>
+              <a:t>   </a:t>
+            </a:r>
+            <a:r>
+              <a:rPr lang="en-US" sz="2000" b="1" dirty="0" err="1" smtClean="0">
+                <a:solidFill>
+                  <a:srgbClr val="DC9F0C"/>
+                </a:solidFill>
+              </a:rPr>
+              <a:t>socket.on</a:t>
+            </a:r>
+            <a:r>
+              <a:rPr lang="en-US" sz="2000" b="1" dirty="0">
+                <a:solidFill>
+                  <a:srgbClr val="DC9F0C"/>
+                </a:solidFill>
+              </a:rPr>
+              <a:t>('</a:t>
+            </a:r>
+            <a:r>
+              <a:rPr lang="en-US" sz="2000" b="1" dirty="0" err="1">
+                <a:solidFill>
+                  <a:srgbClr val="DC9F0C"/>
+                </a:solidFill>
+              </a:rPr>
+              <a:t>abort_execution</a:t>
+            </a:r>
+            <a:r>
+              <a:rPr lang="en-US" sz="2000" b="1" dirty="0">
+                <a:solidFill>
+                  <a:srgbClr val="DC9F0C"/>
+                </a:solidFill>
+              </a:rPr>
+              <a:t>', function(){</a:t>
+            </a:r>
+          </a:p>
+          <a:p>
+            <a:pPr marL="301943" lvl="1" indent="0">
+              <a:buNone/>
+            </a:pPr>
+            <a:r>
+              <a:rPr lang="en-US" sz="2000" b="1" dirty="0">
+                <a:solidFill>
+                  <a:srgbClr val="DC9F0C"/>
+                </a:solidFill>
+              </a:rPr>
+              <a:t>    </a:t>
+            </a:r>
+            <a:r>
+              <a:rPr lang="en-US" sz="2000" b="1" dirty="0" smtClean="0">
+                <a:solidFill>
+                  <a:srgbClr val="DC9F0C"/>
+                </a:solidFill>
+              </a:rPr>
+              <a:t>   </a:t>
+            </a:r>
+            <a:r>
+              <a:rPr lang="en-US" sz="2000" b="1" dirty="0" err="1">
+                <a:solidFill>
+                  <a:srgbClr val="DC9F0C"/>
+                </a:solidFill>
+              </a:rPr>
+              <a:t>resolution.abort</a:t>
+            </a:r>
+            <a:r>
+              <a:rPr lang="en-US" sz="2000" b="1" dirty="0">
+                <a:solidFill>
+                  <a:srgbClr val="DC9F0C"/>
+                </a:solidFill>
+              </a:rPr>
+              <a:t>(</a:t>
+            </a:r>
+            <a:r>
+              <a:rPr lang="en-US" sz="2000" b="1" dirty="0" err="1">
+                <a:solidFill>
+                  <a:srgbClr val="DC9F0C"/>
+                </a:solidFill>
+              </a:rPr>
+              <a:t>socket_context</a:t>
+            </a:r>
+            <a:r>
+              <a:rPr lang="en-US" sz="2000" b="1" dirty="0">
+                <a:solidFill>
+                  <a:srgbClr val="DC9F0C"/>
+                </a:solidFill>
+              </a:rPr>
+              <a:t>);</a:t>
+            </a:r>
+          </a:p>
+          <a:p>
+            <a:pPr marL="301943" lvl="1" indent="0">
+              <a:buNone/>
+            </a:pPr>
+            <a:r>
+              <a:rPr lang="en-US" sz="2000" b="1" dirty="0" smtClean="0">
+                <a:solidFill>
+                  <a:srgbClr val="DC9F0C"/>
+                </a:solidFill>
+              </a:rPr>
+              <a:t>    });</a:t>
+            </a:r>
+          </a:p>
+          <a:p>
+            <a:pPr lvl="1"/>
+            <a:r>
+              <a:rPr lang="en-US" sz="2000" dirty="0" smtClean="0">
+                <a:solidFill>
+                  <a:srgbClr val="000090"/>
+                </a:solidFill>
+              </a:rPr>
+              <a:t>When you emit back to the client, make sure he can determine if he’s the one that initiated the action so that ‘</a:t>
+            </a:r>
+            <a:r>
+              <a:rPr lang="en-US" sz="2000" dirty="0" err="1" smtClean="0">
+                <a:solidFill>
+                  <a:srgbClr val="000090"/>
+                </a:solidFill>
+              </a:rPr>
+              <a:t>unsollicited</a:t>
+            </a:r>
+            <a:r>
+              <a:rPr lang="en-US" sz="2000" dirty="0" smtClean="0">
+                <a:solidFill>
+                  <a:srgbClr val="000090"/>
+                </a:solidFill>
+              </a:rPr>
+              <a:t> events’ are filtered out. (</a:t>
+            </a:r>
+            <a:r>
+              <a:rPr lang="en-US" sz="2000" dirty="0" err="1" smtClean="0">
+                <a:solidFill>
+                  <a:srgbClr val="000090"/>
+                </a:solidFill>
+              </a:rPr>
+              <a:t>socket.io</a:t>
+            </a:r>
+            <a:r>
+              <a:rPr lang="en-US" sz="2000" dirty="0" smtClean="0">
+                <a:solidFill>
+                  <a:srgbClr val="000090"/>
+                </a:solidFill>
+              </a:rPr>
+              <a:t> doesn’t offer unicast)</a:t>
+            </a:r>
+          </a:p>
+        </p:txBody>
+      </p:sp>
+      <p:sp>
+        <p:nvSpPr>
+          <p:cNvPr id="3" name="Titre 2"/>
+          <p:cNvSpPr>
+            <a:spLocks noGrp="1"/>
+          </p:cNvSpPr>
+          <p:nvPr>
+            <p:ph type="title"/>
+          </p:nvPr>
+        </p:nvSpPr>
+        <p:spPr/>
+        <p:txBody>
+          <a:bodyPr>
+            <a:normAutofit fontScale="90000"/>
+          </a:bodyPr>
+          <a:lstStyle/>
+          <a:p>
+            <a:r>
+              <a:rPr lang="en-US" dirty="0" smtClean="0"/>
+              <a:t>How to handle new server-side actions</a:t>
+            </a:r>
+            <a:endParaRPr lang="en-US" dirty="0"/>
+          </a:p>
+        </p:txBody>
+      </p:sp>
+    </p:spTree>
+    <p:extLst>
+      <p:ext uri="{BB962C8B-B14F-4D97-AF65-F5344CB8AC3E}">
+        <p14:creationId xmlns:p14="http://schemas.microsoft.com/office/powerpoint/2010/main" val="4090572857"/>
+      </p:ext>
+    </p:extLst>
+  </p:cSld>
+  <p:clrMapOvr>
+    <a:masterClrMapping/>
+  </p:clrMapOvr>
+</p:sld>
+</file>
+
+<file path=ppt/slides/slide16.xml><?xml version="1.0" encoding="utf-8"?>
+<p:sld xmlns:a="http://schemas.openxmlformats.org/drawingml/2006/main" xmlns:r="http://schemas.openxmlformats.org/officeDocument/2006/relationships" xmlns:p="http://schemas.openxmlformats.org/presentationml/2006/main">
+  <p:cSld>
+    <p:spTree>
+      <p:nvGrpSpPr>
+        <p:cNvPr id="1" name=""/>
+        <p:cNvGrpSpPr/>
+        <p:nvPr/>
+      </p:nvGrpSpPr>
+      <p:grpSpPr>
+        <a:xfrm>
+          <a:off x="0" y="0"/>
+          <a:ext cx="0" cy="0"/>
+          <a:chOff x="0" y="0"/>
+          <a:chExt cx="0" cy="0"/>
+        </a:xfrm>
+      </p:grpSpPr>
+      <p:sp>
+        <p:nvSpPr>
+          <p:cNvPr id="2" name="Espace réservé du contenu 1"/>
+          <p:cNvSpPr>
+            <a:spLocks noGrp="1"/>
+          </p:cNvSpPr>
+          <p:nvPr>
+            <p:ph idx="1"/>
+          </p:nvPr>
+        </p:nvSpPr>
+        <p:spPr/>
+        <p:txBody>
+          <a:bodyPr>
+            <a:normAutofit/>
+          </a:bodyPr>
+          <a:lstStyle/>
+          <a:p>
+            <a:r>
+              <a:rPr lang="en-US" dirty="0" smtClean="0"/>
+              <a:t>Cross browser session synchronization</a:t>
+            </a:r>
+          </a:p>
+          <a:p>
+            <a:pPr marL="759143" lvl="1" indent="-457200">
+              <a:buFont typeface="+mj-lt"/>
+              <a:buAutoNum type="arabicPeriod"/>
+            </a:pPr>
+            <a:r>
+              <a:rPr lang="en-US" sz="2000" dirty="0" smtClean="0"/>
+              <a:t>Client emits an event where he passes its complete </a:t>
+            </a:r>
+            <a:r>
+              <a:rPr lang="en-US" sz="2000" dirty="0" err="1" smtClean="0"/>
+              <a:t>ApplicationContext</a:t>
+            </a:r>
+            <a:r>
+              <a:rPr lang="en-US" sz="2000" dirty="0" smtClean="0"/>
+              <a:t> (concept defined later)</a:t>
+            </a:r>
+          </a:p>
+          <a:p>
+            <a:pPr marL="759143" lvl="1" indent="-457200">
+              <a:buFont typeface="+mj-lt"/>
+              <a:buAutoNum type="arabicPeriod"/>
+            </a:pPr>
+            <a:r>
+              <a:rPr lang="en-US" sz="2000" dirty="0" smtClean="0"/>
+              <a:t>Server attaches the sender id to the app context</a:t>
+            </a:r>
+          </a:p>
+          <a:p>
+            <a:pPr marL="759143" lvl="1" indent="-457200">
+              <a:buFont typeface="+mj-lt"/>
+              <a:buAutoNum type="arabicPeriod"/>
+            </a:pPr>
+            <a:r>
+              <a:rPr lang="en-US" sz="2000" dirty="0" smtClean="0"/>
+              <a:t>Server emits an event passing the app context + id as argument</a:t>
+            </a:r>
+          </a:p>
+          <a:p>
+            <a:pPr marL="759143" lvl="1" indent="-457200">
+              <a:buFont typeface="+mj-lt"/>
+              <a:buAutoNum type="arabicPeriod"/>
+            </a:pPr>
+            <a:r>
+              <a:rPr lang="en-US" sz="2000" dirty="0" smtClean="0"/>
+              <a:t>Clients discard all events they are not interested in.</a:t>
+            </a:r>
+          </a:p>
+          <a:p>
+            <a:r>
+              <a:rPr lang="en-US" dirty="0" smtClean="0"/>
+              <a:t>Note: you might want to </a:t>
+            </a:r>
+            <a:r>
+              <a:rPr lang="en-US" dirty="0" err="1" smtClean="0"/>
+              <a:t>disab</a:t>
+            </a:r>
+            <a:endParaRPr lang="en-US" dirty="0" smtClean="0"/>
+          </a:p>
+        </p:txBody>
+      </p:sp>
+      <p:sp>
+        <p:nvSpPr>
+          <p:cNvPr id="3" name="Titre 2"/>
+          <p:cNvSpPr>
+            <a:spLocks noGrp="1"/>
+          </p:cNvSpPr>
+          <p:nvPr>
+            <p:ph type="title"/>
+          </p:nvPr>
+        </p:nvSpPr>
+        <p:spPr/>
+        <p:txBody>
+          <a:bodyPr>
+            <a:normAutofit/>
+          </a:bodyPr>
+          <a:lstStyle/>
+          <a:p>
+            <a:r>
+              <a:rPr lang="en-US" dirty="0" smtClean="0"/>
+              <a:t>Ideas &amp; implementation hints</a:t>
+            </a:r>
+            <a:endParaRPr lang="en-US" dirty="0"/>
+          </a:p>
+        </p:txBody>
+      </p:sp>
+    </p:spTree>
+    <p:extLst>
+      <p:ext uri="{BB962C8B-B14F-4D97-AF65-F5344CB8AC3E}">
+        <p14:creationId xmlns:p14="http://schemas.microsoft.com/office/powerpoint/2010/main" val="128412716"/>
+      </p:ext>
+    </p:extLst>
+  </p:cSld>
+  <p:clrMapOvr>
+    <a:masterClrMapping/>
+  </p:clrMapOvr>
+</p:sld>
+</file>
+
+<file path=ppt/slides/slide17.xml><?xml version="1.0" encoding="utf-8"?>
+<p:sld xmlns:a="http://schemas.openxmlformats.org/drawingml/2006/main" xmlns:r="http://schemas.openxmlformats.org/officeDocument/2006/relationships" xmlns:p="http://schemas.openxmlformats.org/presentationml/2006/main">
+  <p:cSld>
+    <p:spTree>
+      <p:nvGrpSpPr>
+        <p:cNvPr id="1" name=""/>
+        <p:cNvGrpSpPr/>
+        <p:nvPr/>
+      </p:nvGrpSpPr>
+      <p:grpSpPr>
+        <a:xfrm>
+          <a:off x="0" y="0"/>
+          <a:ext cx="0" cy="0"/>
+          <a:chOff x="0" y="0"/>
+          <a:chExt cx="0" cy="0"/>
+        </a:xfrm>
+      </p:grpSpPr>
+      <p:sp>
+        <p:nvSpPr>
+          <p:cNvPr id="2" name="Espace réservé du contenu 1"/>
+          <p:cNvSpPr>
+            <a:spLocks noGrp="1"/>
+          </p:cNvSpPr>
+          <p:nvPr>
+            <p:ph idx="1"/>
+          </p:nvPr>
+        </p:nvSpPr>
+        <p:spPr/>
+        <p:txBody>
+          <a:bodyPr/>
+          <a:lstStyle/>
+          <a:p>
+            <a:r>
+              <a:rPr lang="en-US" dirty="0"/>
+              <a:t>Collaborative editing (</a:t>
+            </a:r>
+            <a:r>
+              <a:rPr lang="en-US" dirty="0" err="1"/>
+              <a:t>à</a:t>
+            </a:r>
+            <a:r>
+              <a:rPr lang="en-US" dirty="0"/>
+              <a:t>-la Google doc</a:t>
+            </a:r>
+            <a:r>
+              <a:rPr lang="en-US" dirty="0" smtClean="0"/>
+              <a:t>)</a:t>
+            </a:r>
+          </a:p>
+          <a:p>
+            <a:pPr lvl="1"/>
+            <a:r>
+              <a:rPr lang="en-US" dirty="0" smtClean="0"/>
+              <a:t>Give </a:t>
+            </a:r>
+            <a:r>
+              <a:rPr lang="en-US" dirty="0"/>
+              <a:t>a look at </a:t>
+            </a:r>
+            <a:r>
+              <a:rPr lang="en-US" dirty="0" err="1"/>
+              <a:t>ShareJS</a:t>
+            </a:r>
+            <a:r>
+              <a:rPr lang="en-US" dirty="0"/>
+              <a:t> (</a:t>
+            </a:r>
+            <a:r>
+              <a:rPr lang="en-US" dirty="0">
+                <a:hlinkClick r:id="rId2"/>
+              </a:rPr>
+              <a:t>www.sharejs.org</a:t>
+            </a:r>
+            <a:r>
+              <a:rPr lang="en-US" dirty="0" smtClean="0"/>
+              <a:t>)</a:t>
+            </a:r>
+          </a:p>
+          <a:p>
+            <a:pPr lvl="1"/>
+            <a:r>
+              <a:rPr lang="en-US" dirty="0" smtClean="0"/>
+              <a:t>To understand how it works</a:t>
+            </a:r>
+          </a:p>
+          <a:p>
+            <a:pPr lvl="2"/>
+            <a:r>
+              <a:rPr lang="en-US" sz="1800" dirty="0" smtClean="0"/>
+              <a:t>Operational Transformation.</a:t>
+            </a:r>
+          </a:p>
+          <a:p>
+            <a:pPr lvl="2"/>
+            <a:r>
+              <a:rPr lang="en-US" sz="1800" dirty="0" smtClean="0"/>
+              <a:t>Differential Synchronization (Seemingly simpler alternative)</a:t>
+            </a:r>
+            <a:endParaRPr lang="en-US" sz="1800" dirty="0"/>
+          </a:p>
+        </p:txBody>
+      </p:sp>
+      <p:sp>
+        <p:nvSpPr>
+          <p:cNvPr id="3" name="Titre 2"/>
+          <p:cNvSpPr>
+            <a:spLocks noGrp="1"/>
+          </p:cNvSpPr>
+          <p:nvPr>
+            <p:ph type="title"/>
+          </p:nvPr>
+        </p:nvSpPr>
+        <p:spPr/>
+        <p:txBody>
+          <a:bodyPr/>
+          <a:lstStyle/>
+          <a:p>
+            <a:r>
+              <a:rPr lang="en-US" dirty="0"/>
+              <a:t>Ideas &amp; implementation </a:t>
+            </a:r>
+            <a:r>
+              <a:rPr lang="en-US" dirty="0" smtClean="0"/>
+              <a:t>hints (2)</a:t>
+            </a:r>
+            <a:endParaRPr lang="en-US" dirty="0"/>
+          </a:p>
+        </p:txBody>
+      </p:sp>
+    </p:spTree>
+    <p:extLst>
+      <p:ext uri="{BB962C8B-B14F-4D97-AF65-F5344CB8AC3E}">
+        <p14:creationId xmlns:p14="http://schemas.microsoft.com/office/powerpoint/2010/main" val="528270864"/>
+      </p:ext>
+    </p:extLst>
+  </p:cSld>
+  <p:clrMapOvr>
+    <a:masterClrMapping/>
+  </p:clrMapOvr>
+</p:sld>
+</file>
+
+<file path=ppt/slides/slide18.xml><?xml version="1.0" encoding="utf-8"?>
+<p:sld xmlns:a="http://schemas.openxmlformats.org/drawingml/2006/main" xmlns:r="http://schemas.openxmlformats.org/officeDocument/2006/relationships" xmlns:p="http://schemas.openxmlformats.org/presentationml/2006/main">
+  <p:cSld>
+    <p:spTree>
+      <p:nvGrpSpPr>
+        <p:cNvPr id="1" name=""/>
+        <p:cNvGrpSpPr/>
+        <p:nvPr/>
+      </p:nvGrpSpPr>
+      <p:grpSpPr>
+        <a:xfrm>
+          <a:off x="0" y="0"/>
+          <a:ext cx="0" cy="0"/>
+          <a:chOff x="0" y="0"/>
+          <a:chExt cx="0" cy="0"/>
+        </a:xfrm>
+      </p:grpSpPr>
+      <p:sp>
+        <p:nvSpPr>
+          <p:cNvPr id="2" name="Titre 1"/>
+          <p:cNvSpPr>
+            <a:spLocks noGrp="1"/>
+          </p:cNvSpPr>
+          <p:nvPr>
+            <p:ph type="title"/>
+          </p:nvPr>
+        </p:nvSpPr>
+        <p:spPr/>
+        <p:txBody>
+          <a:bodyPr/>
+          <a:lstStyle/>
+          <a:p>
+            <a:r>
+              <a:rPr lang="en-US" dirty="0" smtClean="0"/>
+              <a:t>Frontend component</a:t>
+            </a:r>
+            <a:endParaRPr lang="en-US" dirty="0"/>
+          </a:p>
+        </p:txBody>
+      </p:sp>
+      <p:sp>
+        <p:nvSpPr>
+          <p:cNvPr id="3" name="Espace réservé du texte 2"/>
+          <p:cNvSpPr>
+            <a:spLocks noGrp="1"/>
+          </p:cNvSpPr>
+          <p:nvPr>
+            <p:ph type="body" idx="1"/>
+          </p:nvPr>
+        </p:nvSpPr>
+        <p:spPr/>
+        <p:txBody>
+          <a:bodyPr/>
+          <a:lstStyle/>
+          <a:p>
+            <a:r>
+              <a:rPr lang="en-US" dirty="0" smtClean="0"/>
+              <a:t>What the user sees</a:t>
+            </a:r>
+            <a:endParaRPr lang="en-US" dirty="0"/>
+          </a:p>
+        </p:txBody>
+      </p:sp>
+    </p:spTree>
+    <p:extLst>
+      <p:ext uri="{BB962C8B-B14F-4D97-AF65-F5344CB8AC3E}">
+        <p14:creationId xmlns:p14="http://schemas.microsoft.com/office/powerpoint/2010/main" val="507475606"/>
+      </p:ext>
+    </p:extLst>
+  </p:cSld>
+  <p:clrMapOvr>
+    <a:masterClrMapping/>
+  </p:clrMapOvr>
+</p:sld>
+</file>
+
+<file path=ppt/slides/slide19.xml><?xml version="1.0" encoding="utf-8"?>
+<p:sld xmlns:a="http://schemas.openxmlformats.org/drawingml/2006/main" xmlns:r="http://schemas.openxmlformats.org/officeDocument/2006/relationships" xmlns:p="http://schemas.openxmlformats.org/presentationml/2006/main">
+  <p:cSld>
+    <p:spTree>
+      <p:nvGrpSpPr>
+        <p:cNvPr id="1" name=""/>
+        <p:cNvGrpSpPr/>
+        <p:nvPr/>
+      </p:nvGrpSpPr>
+      <p:grpSpPr>
+        <a:xfrm>
+          <a:off x="0" y="0"/>
+          <a:ext cx="0" cy="0"/>
+          <a:chOff x="0" y="0"/>
+          <a:chExt cx="0" cy="0"/>
+        </a:xfrm>
+      </p:grpSpPr>
+      <p:sp>
+        <p:nvSpPr>
+          <p:cNvPr id="2" name="Espace réservé du contenu 1"/>
+          <p:cNvSpPr>
+            <a:spLocks noGrp="1"/>
+          </p:cNvSpPr>
+          <p:nvPr>
+            <p:ph idx="1"/>
+          </p:nvPr>
+        </p:nvSpPr>
+        <p:spPr/>
+        <p:txBody>
+          <a:bodyPr>
+            <a:normAutofit/>
+          </a:bodyPr>
+          <a:lstStyle/>
+          <a:p>
+            <a:r>
+              <a:rPr lang="en-US" dirty="0" smtClean="0"/>
+              <a:t>Largest (and most complex) of the components</a:t>
+            </a:r>
+          </a:p>
+          <a:p>
+            <a:r>
+              <a:rPr lang="en-US" dirty="0" smtClean="0"/>
+              <a:t>Structured according to MVC design pattern</a:t>
+            </a:r>
+          </a:p>
+          <a:p>
+            <a:r>
+              <a:rPr lang="en-US" dirty="0" smtClean="0"/>
+              <a:t>Maintains the whole client application state</a:t>
+            </a:r>
+          </a:p>
+          <a:p>
+            <a:r>
+              <a:rPr lang="en-US" dirty="0" smtClean="0"/>
+              <a:t>Makes massive use of:</a:t>
+            </a:r>
+          </a:p>
+          <a:p>
+            <a:pPr lvl="1"/>
+            <a:r>
+              <a:rPr lang="en-US" sz="1600" dirty="0" err="1" smtClean="0"/>
+              <a:t>Jquery</a:t>
+            </a:r>
+            <a:r>
+              <a:rPr lang="en-US" sz="1600" dirty="0" smtClean="0"/>
+              <a:t>: 	</a:t>
+            </a:r>
+            <a:r>
+              <a:rPr lang="en-US" sz="1600" dirty="0" smtClean="0">
+                <a:sym typeface="Wingdings"/>
+              </a:rPr>
+              <a:t></a:t>
+            </a:r>
+            <a:r>
+              <a:rPr lang="en-US" sz="1600" dirty="0" smtClean="0"/>
+              <a:t>DOM manipulation, Event trigger and listen</a:t>
+            </a:r>
+          </a:p>
+          <a:p>
+            <a:pPr lvl="1"/>
+            <a:r>
+              <a:rPr lang="en-US" sz="1600" dirty="0" err="1" smtClean="0"/>
+              <a:t>Underscore.js</a:t>
+            </a:r>
+            <a:r>
+              <a:rPr lang="en-US" sz="1600" dirty="0"/>
+              <a:t>	</a:t>
+            </a:r>
+            <a:r>
+              <a:rPr lang="en-US" sz="1600" dirty="0" smtClean="0">
+                <a:sym typeface="Wingdings"/>
+              </a:rPr>
+              <a:t></a:t>
+            </a:r>
+            <a:r>
+              <a:rPr lang="en-US" sz="1600" dirty="0" smtClean="0"/>
+              <a:t>Functional programming utilities (map, reduce,…)</a:t>
+            </a:r>
+          </a:p>
+          <a:p>
+            <a:pPr lvl="1"/>
+            <a:r>
+              <a:rPr lang="en-US" sz="1600" dirty="0" err="1" smtClean="0"/>
+              <a:t>Require.js</a:t>
+            </a:r>
+            <a:r>
+              <a:rPr lang="en-US" sz="1600" dirty="0" smtClean="0"/>
+              <a:t>	</a:t>
+            </a:r>
+            <a:r>
+              <a:rPr lang="en-US" sz="1600" dirty="0" smtClean="0">
+                <a:sym typeface="Wingdings"/>
+              </a:rPr>
+              <a:t>Used to avoid polluting your global namespace </a:t>
+            </a:r>
+          </a:p>
+          <a:p>
+            <a:pPr marL="1554480" lvl="5" indent="0">
+              <a:buNone/>
+            </a:pPr>
+            <a:r>
+              <a:rPr lang="en-US" sz="1600" dirty="0" smtClean="0">
+                <a:sym typeface="Wingdings"/>
+              </a:rPr>
+              <a:t>	Explicit dependencies, Asynchronous loading + caching</a:t>
+            </a:r>
+          </a:p>
+          <a:p>
+            <a:pPr lvl="1"/>
+            <a:r>
+              <a:rPr lang="en-US" sz="1600" dirty="0" smtClean="0">
+                <a:sym typeface="Wingdings"/>
+              </a:rPr>
+              <a:t>Bootstrap	Used to style most </a:t>
+            </a:r>
+            <a:r>
+              <a:rPr lang="en-US" sz="1600" dirty="0" err="1" smtClean="0">
+                <a:sym typeface="Wingdings"/>
+              </a:rPr>
+              <a:t>ui</a:t>
+            </a:r>
+            <a:r>
+              <a:rPr lang="en-US" sz="1600" dirty="0" smtClean="0">
+                <a:sym typeface="Wingdings"/>
+              </a:rPr>
+              <a:t> components</a:t>
+            </a:r>
+          </a:p>
+        </p:txBody>
+      </p:sp>
+      <p:sp>
+        <p:nvSpPr>
+          <p:cNvPr id="3" name="Titre 2"/>
+          <p:cNvSpPr>
+            <a:spLocks noGrp="1"/>
+          </p:cNvSpPr>
+          <p:nvPr>
+            <p:ph type="title"/>
+          </p:nvPr>
+        </p:nvSpPr>
+        <p:spPr/>
+        <p:txBody>
+          <a:bodyPr/>
+          <a:lstStyle/>
+          <a:p>
+            <a:r>
+              <a:rPr lang="en-US" dirty="0" smtClean="0"/>
+              <a:t>Component: Frontend</a:t>
+            </a:r>
+            <a:endParaRPr lang="en-US" dirty="0"/>
+          </a:p>
+        </p:txBody>
+      </p:sp>
+    </p:spTree>
+    <p:extLst>
+      <p:ext uri="{BB962C8B-B14F-4D97-AF65-F5344CB8AC3E}">
+        <p14:creationId xmlns:p14="http://schemas.microsoft.com/office/powerpoint/2010/main" val="2203230556"/>
+      </p:ext>
+    </p:extLst>
+  </p:cSld>
+  <p:clrMapOvr>
+    <a:masterClrMapping/>
+  </p:clrMapOvr>
 </p:sld>
 </file>
 
@@ -18785,7 +19922,15 @@
             <a:pPr lvl="1"/>
             <a:r>
               <a:rPr lang="en-US" dirty="0" smtClean="0"/>
-              <a:t>Could be used as a basis to prepare cloud based experiments</a:t>
+              <a:t>Could be used as a basis to prepare cloud </a:t>
+            </a:r>
+            <a:r>
+              <a:rPr lang="en-US" dirty="0" smtClean="0"/>
+              <a:t>based model analysis </a:t>
+            </a:r>
+            <a:r>
+              <a:rPr lang="en-US" dirty="0" smtClean="0"/>
+              <a:t>experiments</a:t>
             </a:r>
           </a:p>
         </p:txBody>
@@ -18817,6 +19962,793 @@
     <p:extLst>
       <p:ext uri="{BB962C8B-B14F-4D97-AF65-F5344CB8AC3E}">
         <p14:creationId xmlns:p14="http://schemas.microsoft.com/office/powerpoint/2010/main" val="1027285675"/>
+      </p:ext>
+    </p:extLst>
+  </p:cSld>
+  <p:clrMapOvr>
+    <a:masterClrMapping/>
+  </p:clrMapOvr>
+  <p:timing>
+    <p:tnLst>
+      <p:par>
+        <p:cTn xmlns:p14="http://schemas.microsoft.com/office/powerpoint/2010/main" id="1" dur="indefinite" restart="never" nodeType="tmRoot"/>
+      </p:par>
+    </p:tnLst>
+  </p:timing>
+</p:sld>
+</file>
+
+<file path=ppt/slides/slide20.xml><?xml version="1.0" encoding="utf-8"?>
+<p:sld xmlns:a="http://schemas.openxmlformats.org/drawingml/2006/main" xmlns:r="http://schemas.openxmlformats.org/officeDocument/2006/relationships" xmlns:p="http://schemas.openxmlformats.org/presentationml/2006/main">
+  <p:cSld>
+    <p:spTree>
+      <p:nvGrpSpPr>
+        <p:cNvPr id="1" name=""/>
+        <p:cNvGrpSpPr/>
+        <p:nvPr/>
+      </p:nvGrpSpPr>
+      <p:grpSpPr>
+        <a:xfrm>
+          <a:off x="0" y="0"/>
+          <a:ext cx="0" cy="0"/>
+          <a:chOff x="0" y="0"/>
+          <a:chExt cx="0" cy="0"/>
+        </a:xfrm>
+      </p:grpSpPr>
+      <p:sp>
+        <p:nvSpPr>
+          <p:cNvPr id="2" name="Espace réservé du contenu 1"/>
+          <p:cNvSpPr>
+            <a:spLocks noGrp="1"/>
+          </p:cNvSpPr>
+          <p:nvPr>
+            <p:ph idx="1"/>
+          </p:nvPr>
+        </p:nvSpPr>
+        <p:spPr/>
+        <p:txBody>
+          <a:bodyPr>
+            <a:normAutofit fontScale="92500" lnSpcReduction="20000"/>
+          </a:bodyPr>
+          <a:lstStyle/>
+          <a:p>
+            <a:r>
+              <a:rPr lang="en-US" sz="1600" dirty="0" err="1" smtClean="0"/>
+              <a:t>Index.html</a:t>
+            </a:r>
+            <a:r>
+              <a:rPr lang="en-US" sz="1600" dirty="0"/>
+              <a:t>	</a:t>
+            </a:r>
+            <a:r>
+              <a:rPr lang="en-US" sz="1600" dirty="0" smtClean="0">
+                <a:sym typeface="Wingdings"/>
+              </a:rPr>
+              <a:t>The page that gets loaded on start</a:t>
+            </a:r>
+            <a:endParaRPr lang="en-US" sz="1600" dirty="0">
+              <a:sym typeface="Wingdings"/>
+            </a:endParaRPr>
+          </a:p>
+          <a:p>
+            <a:r>
+              <a:rPr lang="en-US" sz="1600" dirty="0" smtClean="0">
+                <a:sym typeface="Wingdings"/>
+              </a:rPr>
+              <a:t>Fonts/		The fonts used by bootstrap (provide all used </a:t>
+            </a:r>
+            <a:r>
+              <a:rPr lang="en-US" sz="1600" dirty="0" err="1" smtClean="0">
+                <a:sym typeface="Wingdings"/>
+              </a:rPr>
+              <a:t>glyphicons</a:t>
+            </a:r>
+            <a:r>
+              <a:rPr lang="en-US" sz="1600" dirty="0" smtClean="0">
+                <a:sym typeface="Wingdings"/>
+              </a:rPr>
+              <a:t>)</a:t>
+            </a:r>
+          </a:p>
+          <a:p>
+            <a:r>
+              <a:rPr lang="en-US" sz="1600" dirty="0" smtClean="0">
+                <a:sym typeface="Wingdings"/>
+              </a:rPr>
+              <a:t>Images/		So far only provides the Alloy logo</a:t>
+            </a:r>
+          </a:p>
+          <a:p>
+            <a:r>
+              <a:rPr lang="en-US" sz="1600" dirty="0" smtClean="0">
+                <a:sym typeface="Wingdings"/>
+              </a:rPr>
+              <a:t>Style/		Provides the CSS </a:t>
+            </a:r>
+            <a:r>
+              <a:rPr lang="en-US" sz="1600" dirty="0" err="1" smtClean="0">
+                <a:sym typeface="Wingdings"/>
+              </a:rPr>
+              <a:t>stylesheets</a:t>
+            </a:r>
+            <a:r>
+              <a:rPr lang="en-US" sz="1600" dirty="0" smtClean="0">
+                <a:sym typeface="Wingdings"/>
+              </a:rPr>
+              <a:t> associated to the application</a:t>
+            </a:r>
+          </a:p>
+          <a:p>
+            <a:r>
+              <a:rPr lang="en-US" sz="1600" dirty="0" err="1" smtClean="0">
+                <a:sym typeface="Wingdings"/>
+              </a:rPr>
+              <a:t>Js</a:t>
+            </a:r>
+            <a:r>
+              <a:rPr lang="en-US" sz="1600" dirty="0" smtClean="0">
+                <a:sym typeface="Wingdings"/>
+              </a:rPr>
+              <a:t>/		The real application source code</a:t>
+            </a:r>
+          </a:p>
+          <a:p>
+            <a:pPr lvl="1"/>
+            <a:r>
+              <a:rPr lang="en-US" sz="1600" dirty="0" smtClean="0">
+                <a:sym typeface="Wingdings"/>
+              </a:rPr>
+              <a:t>_libs/	The source code of all frontend libraries in use</a:t>
+            </a:r>
+          </a:p>
+          <a:p>
+            <a:pPr lvl="1"/>
+            <a:r>
+              <a:rPr lang="en-US" sz="1600" dirty="0" err="1" smtClean="0">
+                <a:sym typeface="Wingdings"/>
+              </a:rPr>
+              <a:t>require.js</a:t>
+            </a:r>
+            <a:r>
+              <a:rPr lang="en-US" sz="1600" dirty="0" smtClean="0">
+                <a:sym typeface="Wingdings"/>
+              </a:rPr>
+              <a:t>	The </a:t>
+            </a:r>
+            <a:r>
+              <a:rPr lang="en-US" sz="1600" dirty="0" err="1" smtClean="0">
+                <a:sym typeface="Wingdings"/>
+              </a:rPr>
+              <a:t>RequireJS</a:t>
+            </a:r>
+            <a:r>
+              <a:rPr lang="en-US" sz="1600" dirty="0" smtClean="0">
+                <a:sym typeface="Wingdings"/>
+              </a:rPr>
+              <a:t> AMD</a:t>
+            </a:r>
+          </a:p>
+          <a:p>
+            <a:pPr lvl="1"/>
+            <a:r>
+              <a:rPr lang="en-US" sz="1600" dirty="0" err="1" smtClean="0">
+                <a:sym typeface="Wingdings"/>
+              </a:rPr>
+              <a:t>main.js</a:t>
+            </a:r>
+            <a:r>
+              <a:rPr lang="en-US" sz="1600" dirty="0" smtClean="0">
+                <a:sym typeface="Wingdings"/>
+              </a:rPr>
+              <a:t>	The frontend application entry-point</a:t>
+            </a:r>
+          </a:p>
+          <a:p>
+            <a:pPr marL="301943" lvl="1" indent="0">
+              <a:buNone/>
+            </a:pPr>
+            <a:r>
+              <a:rPr lang="en-US" sz="1600" dirty="0" smtClean="0">
+                <a:sym typeface="Wingdings"/>
+              </a:rPr>
+              <a:t>			Defines metadata for the libs in </a:t>
+            </a:r>
+            <a:r>
+              <a:rPr lang="en-US" sz="1600" dirty="0" err="1" smtClean="0">
+                <a:sym typeface="Wingdings"/>
+              </a:rPr>
+              <a:t>js</a:t>
+            </a:r>
+            <a:r>
+              <a:rPr lang="en-US" sz="1600" dirty="0" smtClean="0">
+                <a:sym typeface="Wingdings"/>
+              </a:rPr>
+              <a:t>/_libs</a:t>
+            </a:r>
+          </a:p>
+          <a:p>
+            <a:pPr marL="301943" lvl="1" indent="0">
+              <a:buNone/>
+            </a:pPr>
+            <a:r>
+              <a:rPr lang="en-US" sz="1600" dirty="0">
+                <a:sym typeface="Wingdings"/>
+              </a:rPr>
+              <a:t>	</a:t>
+            </a:r>
+            <a:r>
+              <a:rPr lang="en-US" sz="1600" dirty="0" smtClean="0">
+                <a:sym typeface="Wingdings"/>
+              </a:rPr>
+              <a:t>		Delegate its flow to controllers/</a:t>
+            </a:r>
+            <a:r>
+              <a:rPr lang="en-US" sz="1600" dirty="0" err="1" smtClean="0">
+                <a:sym typeface="Wingdings"/>
+              </a:rPr>
+              <a:t>MainController</a:t>
+            </a:r>
+            <a:endParaRPr lang="en-US" sz="1600" dirty="0" smtClean="0">
+              <a:sym typeface="Wingdings"/>
+            </a:endParaRPr>
+          </a:p>
+          <a:p>
+            <a:pPr lvl="1"/>
+            <a:r>
+              <a:rPr lang="en-US" sz="1600" dirty="0">
+                <a:sym typeface="Wingdings"/>
+              </a:rPr>
+              <a:t>m</a:t>
+            </a:r>
+            <a:r>
+              <a:rPr lang="en-US" sz="1600" dirty="0" smtClean="0">
+                <a:sym typeface="Wingdings"/>
+              </a:rPr>
+              <a:t>odel/	Contains the code of all model classes</a:t>
+            </a:r>
+          </a:p>
+          <a:p>
+            <a:pPr lvl="1"/>
+            <a:r>
+              <a:rPr lang="en-US" sz="1600" dirty="0" smtClean="0">
+                <a:sym typeface="Wingdings"/>
+              </a:rPr>
+              <a:t>view/	Contains the code of all </a:t>
+            </a:r>
+            <a:r>
+              <a:rPr lang="en-US" sz="1600" dirty="0" err="1" smtClean="0">
+                <a:sym typeface="Wingdings"/>
+              </a:rPr>
+              <a:t>ui</a:t>
+            </a:r>
+            <a:r>
+              <a:rPr lang="en-US" sz="1600" dirty="0" smtClean="0">
+                <a:sym typeface="Wingdings"/>
+              </a:rPr>
+              <a:t> classes</a:t>
+            </a:r>
+          </a:p>
+          <a:p>
+            <a:pPr lvl="1"/>
+            <a:r>
+              <a:rPr lang="en-US" sz="1600" dirty="0" smtClean="0">
+                <a:sym typeface="Wingdings"/>
+              </a:rPr>
+              <a:t>controllers/	Contains the code of the classes encapsulating the business logic</a:t>
+            </a:r>
+          </a:p>
+          <a:p>
+            <a:pPr lvl="1"/>
+            <a:r>
+              <a:rPr lang="en-US" sz="1600" dirty="0" err="1">
+                <a:sym typeface="Wingdings"/>
+              </a:rPr>
+              <a:t>u</a:t>
+            </a:r>
+            <a:r>
+              <a:rPr lang="en-US" sz="1600" dirty="0" err="1" smtClean="0">
+                <a:sym typeface="Wingdings"/>
+              </a:rPr>
+              <a:t>til</a:t>
+            </a:r>
+            <a:r>
+              <a:rPr lang="en-US" sz="1600" dirty="0" smtClean="0">
+                <a:sym typeface="Wingdings"/>
+              </a:rPr>
+              <a:t>/		Contains a the definition of helper functions</a:t>
+            </a:r>
+          </a:p>
+          <a:p>
+            <a:pPr lvl="1"/>
+            <a:endParaRPr lang="en-US" sz="1600" dirty="0" smtClean="0">
+              <a:sym typeface="Wingdings"/>
+            </a:endParaRPr>
+          </a:p>
+          <a:p>
+            <a:endParaRPr lang="en-US" dirty="0" smtClean="0">
+              <a:sym typeface="Wingdings"/>
+            </a:endParaRPr>
+          </a:p>
+          <a:p>
+            <a:endParaRPr lang="en-US" dirty="0"/>
+          </a:p>
+        </p:txBody>
+      </p:sp>
+      <p:sp>
+        <p:nvSpPr>
+          <p:cNvPr id="3" name="Titre 2"/>
+          <p:cNvSpPr>
+            <a:spLocks noGrp="1"/>
+          </p:cNvSpPr>
+          <p:nvPr>
+            <p:ph type="title"/>
+          </p:nvPr>
+        </p:nvSpPr>
+        <p:spPr/>
+        <p:txBody>
+          <a:bodyPr/>
+          <a:lstStyle/>
+          <a:p>
+            <a:r>
+              <a:rPr lang="en-US" dirty="0" smtClean="0"/>
+              <a:t>Frontend: Structure</a:t>
+            </a:r>
+            <a:endParaRPr lang="en-US" dirty="0"/>
+          </a:p>
+        </p:txBody>
+      </p:sp>
+    </p:spTree>
+    <p:extLst>
+      <p:ext uri="{BB962C8B-B14F-4D97-AF65-F5344CB8AC3E}">
+        <p14:creationId xmlns:p14="http://schemas.microsoft.com/office/powerpoint/2010/main" val="2635399538"/>
+      </p:ext>
+    </p:extLst>
+  </p:cSld>
+  <p:clrMapOvr>
+    <a:masterClrMapping/>
+  </p:clrMapOvr>
+</p:sld>
+</file>
+
+<file path=ppt/slides/slide21.xml><?xml version="1.0" encoding="utf-8"?>
+<p:sld xmlns:a="http://schemas.openxmlformats.org/drawingml/2006/main" xmlns:r="http://schemas.openxmlformats.org/officeDocument/2006/relationships" xmlns:p="http://schemas.openxmlformats.org/presentationml/2006/main">
+  <p:cSld>
+    <p:spTree>
+      <p:nvGrpSpPr>
+        <p:cNvPr id="1" name=""/>
+        <p:cNvGrpSpPr/>
+        <p:nvPr/>
+      </p:nvGrpSpPr>
+      <p:grpSpPr>
+        <a:xfrm>
+          <a:off x="0" y="0"/>
+          <a:ext cx="0" cy="0"/>
+          <a:chOff x="0" y="0"/>
+          <a:chExt cx="0" cy="0"/>
+        </a:xfrm>
+      </p:grpSpPr>
+      <p:sp>
+        <p:nvSpPr>
+          <p:cNvPr id="2" name="Espace réservé du contenu 1"/>
+          <p:cNvSpPr>
+            <a:spLocks noGrp="1"/>
+          </p:cNvSpPr>
+          <p:nvPr>
+            <p:ph idx="1"/>
+          </p:nvPr>
+        </p:nvSpPr>
+        <p:spPr/>
+        <p:txBody>
+          <a:bodyPr>
+            <a:normAutofit fontScale="92500"/>
+          </a:bodyPr>
+          <a:lstStyle/>
+          <a:p>
+            <a:pPr marL="0" indent="0">
+              <a:buNone/>
+            </a:pPr>
+            <a:r>
+              <a:rPr lang="en-US" dirty="0" smtClean="0"/>
+              <a:t>Please note that I deviated from the usual MVC pattern in one way: </a:t>
+            </a:r>
+            <a:r>
+              <a:rPr lang="en-US" dirty="0" smtClean="0">
+                <a:solidFill>
+                  <a:srgbClr val="FF0000"/>
+                </a:solidFill>
+              </a:rPr>
+              <a:t>the model </a:t>
+            </a:r>
+            <a:r>
+              <a:rPr lang="en-US" dirty="0" err="1" smtClean="0">
+                <a:solidFill>
+                  <a:srgbClr val="FF0000"/>
+                </a:solidFill>
+              </a:rPr>
+              <a:t>doesn</a:t>
+            </a:r>
+            <a:r>
+              <a:rPr lang="fr-FR" dirty="0" smtClean="0">
+                <a:solidFill>
+                  <a:srgbClr val="FF0000"/>
+                </a:solidFill>
+              </a:rPr>
+              <a:t>’</a:t>
+            </a:r>
+            <a:r>
+              <a:rPr lang="en-US" dirty="0" smtClean="0">
+                <a:solidFill>
+                  <a:srgbClr val="FF0000"/>
+                </a:solidFill>
+              </a:rPr>
+              <a:t>t trigger its “changed” events itself</a:t>
+            </a:r>
+            <a:r>
+              <a:rPr lang="en-US" dirty="0" smtClean="0"/>
+              <a:t>. Instead, the controller that provoked the data change calls </a:t>
+            </a:r>
+            <a:r>
+              <a:rPr lang="en-US" b="1" dirty="0" smtClean="0">
+                <a:solidFill>
+                  <a:srgbClr val="000090"/>
+                </a:solidFill>
+              </a:rPr>
+              <a:t>$(model).trigger(‘event’, [value]);</a:t>
+            </a:r>
+          </a:p>
+          <a:p>
+            <a:pPr marL="0" indent="0">
+              <a:buNone/>
+            </a:pPr>
+            <a:endParaRPr lang="en-US" dirty="0" smtClean="0">
+              <a:solidFill>
+                <a:srgbClr val="FF0000"/>
+              </a:solidFill>
+            </a:endParaRPr>
+          </a:p>
+          <a:p>
+            <a:pPr marL="0" indent="0">
+              <a:buNone/>
+            </a:pPr>
+            <a:r>
+              <a:rPr lang="en-US" dirty="0" smtClean="0"/>
+              <a:t>The rationale behind that choice is that I wanted to avoid an event explosion that would have made the application (almost) impossible to debug. This is especially true since in many cases, the model updates are ‘batched’.</a:t>
+            </a:r>
+            <a:endParaRPr lang="en-US" dirty="0"/>
+          </a:p>
+        </p:txBody>
+      </p:sp>
+      <p:sp>
+        <p:nvSpPr>
+          <p:cNvPr id="3" name="Titre 2"/>
+          <p:cNvSpPr>
+            <a:spLocks noGrp="1"/>
+          </p:cNvSpPr>
+          <p:nvPr>
+            <p:ph type="title"/>
+          </p:nvPr>
+        </p:nvSpPr>
+        <p:spPr/>
+        <p:txBody>
+          <a:bodyPr/>
+          <a:lstStyle/>
+          <a:p>
+            <a:r>
+              <a:rPr lang="en-US" dirty="0" smtClean="0"/>
+              <a:t>Notice about MVC</a:t>
+            </a:r>
+            <a:endParaRPr lang="en-US" dirty="0"/>
+          </a:p>
+        </p:txBody>
+      </p:sp>
+    </p:spTree>
+    <p:extLst>
+      <p:ext uri="{BB962C8B-B14F-4D97-AF65-F5344CB8AC3E}">
+        <p14:creationId xmlns:p14="http://schemas.microsoft.com/office/powerpoint/2010/main" val="1311744924"/>
+      </p:ext>
+    </p:extLst>
+  </p:cSld>
+  <p:clrMapOvr>
+    <a:masterClrMapping/>
+  </p:clrMapOvr>
+</p:sld>
+</file>
+
+<file path=ppt/slides/slide22.xml><?xml version="1.0" encoding="utf-8"?>
+<p:sld xmlns:a="http://schemas.openxmlformats.org/drawingml/2006/main" xmlns:r="http://schemas.openxmlformats.org/officeDocument/2006/relationships" xmlns:p="http://schemas.openxmlformats.org/presentationml/2006/main">
+  <p:cSld>
+    <p:spTree>
+      <p:nvGrpSpPr>
+        <p:cNvPr id="1" name=""/>
+        <p:cNvGrpSpPr/>
+        <p:nvPr/>
+      </p:nvGrpSpPr>
+      <p:grpSpPr>
+        <a:xfrm>
+          <a:off x="0" y="0"/>
+          <a:ext cx="0" cy="0"/>
+          <a:chOff x="0" y="0"/>
+          <a:chExt cx="0" cy="0"/>
+        </a:xfrm>
+      </p:grpSpPr>
+      <p:sp>
+        <p:nvSpPr>
+          <p:cNvPr id="2" name="Espace réservé du contenu 1"/>
+          <p:cNvSpPr>
+            <a:spLocks noGrp="1"/>
+          </p:cNvSpPr>
+          <p:nvPr>
+            <p:ph idx="1"/>
+          </p:nvPr>
+        </p:nvSpPr>
+        <p:spPr/>
+        <p:txBody>
+          <a:bodyPr/>
+          <a:lstStyle/>
+          <a:p>
+            <a:r>
+              <a:rPr lang="en-US" dirty="0" smtClean="0"/>
+              <a:t>TODO</a:t>
+            </a:r>
+            <a:endParaRPr lang="en-US" dirty="0"/>
+          </a:p>
+        </p:txBody>
+      </p:sp>
+      <p:sp>
+        <p:nvSpPr>
+          <p:cNvPr id="3" name="Titre 2"/>
+          <p:cNvSpPr>
+            <a:spLocks noGrp="1"/>
+          </p:cNvSpPr>
+          <p:nvPr>
+            <p:ph type="title"/>
+          </p:nvPr>
+        </p:nvSpPr>
+        <p:spPr/>
+        <p:txBody>
+          <a:bodyPr/>
+          <a:lstStyle/>
+          <a:p>
+            <a:r>
+              <a:rPr lang="en-US" dirty="0" smtClean="0"/>
+              <a:t>Frontend: Concepts used</a:t>
+            </a:r>
+            <a:endParaRPr lang="en-US" dirty="0"/>
+          </a:p>
+        </p:txBody>
+      </p:sp>
+    </p:spTree>
+    <p:extLst>
+      <p:ext uri="{BB962C8B-B14F-4D97-AF65-F5344CB8AC3E}">
+        <p14:creationId xmlns:p14="http://schemas.microsoft.com/office/powerpoint/2010/main" val="595964145"/>
+      </p:ext>
+    </p:extLst>
+  </p:cSld>
+  <p:clrMapOvr>
+    <a:masterClrMapping/>
+  </p:clrMapOvr>
+</p:sld>
+</file>
+
+<file path=ppt/slides/slide23.xml><?xml version="1.0" encoding="utf-8"?>
+<p:sld xmlns:a="http://schemas.openxmlformats.org/drawingml/2006/main" xmlns:r="http://schemas.openxmlformats.org/officeDocument/2006/relationships" xmlns:p="http://schemas.openxmlformats.org/presentationml/2006/main">
+  <p:cSld>
+    <p:spTree>
+      <p:nvGrpSpPr>
+        <p:cNvPr id="1" name=""/>
+        <p:cNvGrpSpPr/>
+        <p:nvPr/>
+      </p:nvGrpSpPr>
+      <p:grpSpPr>
+        <a:xfrm>
+          <a:off x="0" y="0"/>
+          <a:ext cx="0" cy="0"/>
+          <a:chOff x="0" y="0"/>
+          <a:chExt cx="0" cy="0"/>
+        </a:xfrm>
+      </p:grpSpPr>
+      <p:sp>
+        <p:nvSpPr>
+          <p:cNvPr id="2" name="Espace réservé du contenu 1"/>
+          <p:cNvSpPr>
+            <a:spLocks noGrp="1"/>
+          </p:cNvSpPr>
+          <p:nvPr>
+            <p:ph idx="1"/>
+          </p:nvPr>
+        </p:nvSpPr>
+        <p:spPr/>
+        <p:txBody>
+          <a:bodyPr/>
+          <a:lstStyle/>
+          <a:p>
+            <a:r>
+              <a:rPr lang="en-US" dirty="0" smtClean="0"/>
+              <a:t>TODO</a:t>
+            </a:r>
+            <a:endParaRPr lang="en-US" dirty="0"/>
+          </a:p>
+        </p:txBody>
+      </p:sp>
+      <p:sp>
+        <p:nvSpPr>
+          <p:cNvPr id="3" name="Titre 2"/>
+          <p:cNvSpPr>
+            <a:spLocks noGrp="1"/>
+          </p:cNvSpPr>
+          <p:nvPr>
+            <p:ph type="title"/>
+          </p:nvPr>
+        </p:nvSpPr>
+        <p:spPr/>
+        <p:txBody>
+          <a:bodyPr/>
+          <a:lstStyle/>
+          <a:p>
+            <a:r>
+              <a:rPr lang="en-US" dirty="0" smtClean="0"/>
+              <a:t>Frontend: JS architecture</a:t>
+            </a:r>
+            <a:endParaRPr lang="en-US" dirty="0"/>
+          </a:p>
+        </p:txBody>
+      </p:sp>
+    </p:spTree>
+    <p:extLst>
+      <p:ext uri="{BB962C8B-B14F-4D97-AF65-F5344CB8AC3E}">
+        <p14:creationId xmlns:p14="http://schemas.microsoft.com/office/powerpoint/2010/main" val="309769297"/>
+      </p:ext>
+    </p:extLst>
+  </p:cSld>
+  <p:clrMapOvr>
+    <a:masterClrMapping/>
+  </p:clrMapOvr>
+</p:sld>
+</file>
+
+<file path=ppt/slides/slide24.xml><?xml version="1.0" encoding="utf-8"?>
+<p:sld xmlns:a="http://schemas.openxmlformats.org/drawingml/2006/main" xmlns:r="http://schemas.openxmlformats.org/officeDocument/2006/relationships" xmlns:p="http://schemas.openxmlformats.org/presentationml/2006/main">
+  <p:cSld>
+    <p:spTree>
+      <p:nvGrpSpPr>
+        <p:cNvPr id="1" name=""/>
+        <p:cNvGrpSpPr/>
+        <p:nvPr/>
+      </p:nvGrpSpPr>
+      <p:grpSpPr>
+        <a:xfrm>
+          <a:off x="0" y="0"/>
+          <a:ext cx="0" cy="0"/>
+          <a:chOff x="0" y="0"/>
+          <a:chExt cx="0" cy="0"/>
+        </a:xfrm>
+      </p:grpSpPr>
+      <p:sp>
+        <p:nvSpPr>
+          <p:cNvPr id="2" name="Espace réservé du contenu 1"/>
+          <p:cNvSpPr>
+            <a:spLocks noGrp="1"/>
+          </p:cNvSpPr>
+          <p:nvPr>
+            <p:ph idx="1"/>
+          </p:nvPr>
+        </p:nvSpPr>
+        <p:spPr/>
+        <p:txBody>
+          <a:bodyPr/>
+          <a:lstStyle/>
+          <a:p>
+            <a:r>
+              <a:rPr lang="en-US" dirty="0" smtClean="0"/>
+              <a:t>TODO</a:t>
+            </a:r>
+            <a:endParaRPr lang="en-US" dirty="0"/>
+          </a:p>
+        </p:txBody>
+      </p:sp>
+      <p:sp>
+        <p:nvSpPr>
+          <p:cNvPr id="3" name="Titre 2"/>
+          <p:cNvSpPr>
+            <a:spLocks noGrp="1"/>
+          </p:cNvSpPr>
+          <p:nvPr>
+            <p:ph type="title"/>
+          </p:nvPr>
+        </p:nvSpPr>
+        <p:spPr/>
+        <p:txBody>
+          <a:bodyPr/>
+          <a:lstStyle/>
+          <a:p>
+            <a:r>
+              <a:rPr lang="en-US" dirty="0" smtClean="0"/>
+              <a:t>Frontend: Most important classes</a:t>
+            </a:r>
+            <a:endParaRPr lang="en-US" dirty="0"/>
+          </a:p>
+        </p:txBody>
+      </p:sp>
+    </p:spTree>
+    <p:extLst>
+      <p:ext uri="{BB962C8B-B14F-4D97-AF65-F5344CB8AC3E}">
+        <p14:creationId xmlns:p14="http://schemas.microsoft.com/office/powerpoint/2010/main" val="510587099"/>
+      </p:ext>
+    </p:extLst>
+  </p:cSld>
+  <p:clrMapOvr>
+    <a:masterClrMapping/>
+  </p:clrMapOvr>
+</p:sld>
+</file>
+
+<file path=ppt/slides/slide25.xml><?xml version="1.0" encoding="utf-8"?>
+<p:sld xmlns:a="http://schemas.openxmlformats.org/drawingml/2006/main" xmlns:r="http://schemas.openxmlformats.org/officeDocument/2006/relationships" xmlns:p="http://schemas.openxmlformats.org/presentationml/2006/main">
+  <p:cSld>
+    <p:spTree>
+      <p:nvGrpSpPr>
+        <p:cNvPr id="1" name=""/>
+        <p:cNvGrpSpPr/>
+        <p:nvPr/>
+      </p:nvGrpSpPr>
+      <p:grpSpPr>
+        <a:xfrm>
+          <a:off x="0" y="0"/>
+          <a:ext cx="0" cy="0"/>
+          <a:chOff x="0" y="0"/>
+          <a:chExt cx="0" cy="0"/>
+        </a:xfrm>
+      </p:grpSpPr>
+      <p:sp>
+        <p:nvSpPr>
+          <p:cNvPr id="2" name="Espace réservé du contenu 1"/>
+          <p:cNvSpPr>
+            <a:spLocks noGrp="1"/>
+          </p:cNvSpPr>
+          <p:nvPr>
+            <p:ph idx="1"/>
+          </p:nvPr>
+        </p:nvSpPr>
+        <p:spPr/>
+        <p:txBody>
+          <a:bodyPr/>
+          <a:lstStyle/>
+          <a:p>
+            <a:r>
+              <a:rPr lang="en-US" dirty="0" smtClean="0"/>
+              <a:t>TODO</a:t>
+            </a:r>
+            <a:endParaRPr lang="en-US" dirty="0"/>
+          </a:p>
+        </p:txBody>
+      </p:sp>
+      <p:sp>
+        <p:nvSpPr>
+          <p:cNvPr id="3" name="Titre 2"/>
+          <p:cNvSpPr>
+            <a:spLocks noGrp="1"/>
+          </p:cNvSpPr>
+          <p:nvPr>
+            <p:ph type="title"/>
+          </p:nvPr>
+        </p:nvSpPr>
+        <p:spPr/>
+        <p:txBody>
+          <a:bodyPr/>
+          <a:lstStyle/>
+          <a:p>
+            <a:r>
+              <a:rPr lang="en-US" dirty="0" smtClean="0"/>
+              <a:t>Frontend: Possible improvements</a:t>
+            </a:r>
+            <a:endParaRPr lang="en-US" dirty="0"/>
+          </a:p>
+        </p:txBody>
+      </p:sp>
+    </p:spTree>
+    <p:extLst>
+      <p:ext uri="{BB962C8B-B14F-4D97-AF65-F5344CB8AC3E}">
+        <p14:creationId xmlns:p14="http://schemas.microsoft.com/office/powerpoint/2010/main" val="875038798"/>
       </p:ext>
     </p:extLst>
   </p:cSld>
@@ -18984,6 +20916,13 @@
   <p:clrMapOvr>
     <a:masterClrMapping/>
   </p:clrMapOvr>
+  <p:timing>
+    <p:tnLst>
+      <p:par>
+        <p:cTn xmlns:p14="http://schemas.microsoft.com/office/powerpoint/2010/main" id="1" dur="indefinite" restart="never" nodeType="tmRoot"/>
+      </p:par>
+    </p:tnLst>
+  </p:timing>
 </p:sld>
 </file>
 
@@ -19241,6 +21180,13 @@
   <p:clrMapOvr>
     <a:masterClrMapping/>
   </p:clrMapOvr>
+  <p:timing>
+    <p:tnLst>
+      <p:par>
+        <p:cTn xmlns:p14="http://schemas.microsoft.com/office/powerpoint/2010/main" id="1" dur="indefinite" restart="never" nodeType="tmRoot"/>
+      </p:par>
+    </p:tnLst>
+  </p:timing>
 </p:sld>
 </file>
 
@@ -19348,6 +21294,13 @@
   <p:clrMapOvr>
     <a:masterClrMapping/>
   </p:clrMapOvr>
+  <p:timing>
+    <p:tnLst>
+      <p:par>
+        <p:cTn xmlns:p14="http://schemas.microsoft.com/office/powerpoint/2010/main" id="1" dur="indefinite" restart="never" nodeType="tmRoot"/>
+      </p:par>
+    </p:tnLst>
+  </p:timing>
 </p:sld>
 </file>
 
@@ -19426,6 +21379,13 @@
   <p:clrMapOvr>
     <a:masterClrMapping/>
   </p:clrMapOvr>
+  <p:timing>
+    <p:tnLst>
+      <p:par>
+        <p:cTn xmlns:p14="http://schemas.microsoft.com/office/powerpoint/2010/main" id="1" dur="indefinite" restart="never" nodeType="tmRoot"/>
+      </p:par>
+    </p:tnLst>
+  </p:timing>
 </p:sld>
 </file>
 
@@ -19448,149 +21408,7 @@
       </p:grpSpPr>
       <p:sp>
         <p:nvSpPr>
-          <p:cNvPr id="2" name="Espace réservé du contenu 1"/>
-          <p:cNvSpPr>
-            <a:spLocks noGrp="1"/>
-          </p:cNvSpPr>
-          <p:nvPr>
-            <p:ph idx="1"/>
-          </p:nvPr>
-        </p:nvSpPr>
-        <p:spPr/>
-        <p:txBody>
-          <a:bodyPr/>
-          <a:lstStyle/>
-          <a:p>
-            <a:r>
-              <a:rPr lang="en-US" dirty="0" smtClean="0"/>
-              <a:t>Stands for Alloy 4 Command Line Interface</a:t>
-            </a:r>
-          </a:p>
-          <a:p>
-            <a:r>
-              <a:rPr lang="en-US" dirty="0" smtClean="0"/>
-              <a:t>Written in Java to facilitate the use of Alloy API</a:t>
-            </a:r>
-          </a:p>
-          <a:p>
-            <a:r>
-              <a:rPr lang="en-US" dirty="0" smtClean="0"/>
-              <a:t>Writes the result of an analysis as a </a:t>
-            </a:r>
-            <a:r>
-              <a:rPr lang="en-US" dirty="0" smtClean="0">
-                <a:solidFill>
-                  <a:srgbClr val="FF0000"/>
-                </a:solidFill>
-              </a:rPr>
-              <a:t>JSON string</a:t>
-            </a:r>
-          </a:p>
-          <a:p>
-            <a:r>
-              <a:rPr lang="en-US" dirty="0" smtClean="0"/>
-              <a:t>Built using ANT</a:t>
-            </a:r>
-          </a:p>
-          <a:p>
-            <a:pPr lvl="1"/>
-            <a:r>
-              <a:rPr lang="en-US" dirty="0" smtClean="0">
-                <a:solidFill>
-                  <a:schemeClr val="accent5">
-                    <a:lumMod val="75000"/>
-                  </a:schemeClr>
-                </a:solidFill>
-                <a:latin typeface="Andale Mono"/>
-                <a:cs typeface="Andale Mono"/>
-              </a:rPr>
-              <a:t>cd $</a:t>
-            </a:r>
-            <a:r>
-              <a:rPr lang="en-US" dirty="0" err="1" smtClean="0">
-                <a:solidFill>
-                  <a:schemeClr val="accent5">
-                    <a:lumMod val="75000"/>
-                  </a:schemeClr>
-                </a:solidFill>
-                <a:latin typeface="Andale Mono"/>
-                <a:cs typeface="Andale Mono"/>
-              </a:rPr>
-              <a:t>alloy_home</a:t>
-            </a:r>
-            <a:r>
-              <a:rPr lang="en-US" dirty="0" smtClean="0">
-                <a:solidFill>
-                  <a:schemeClr val="accent5">
-                    <a:lumMod val="75000"/>
-                  </a:schemeClr>
-                </a:solidFill>
-                <a:latin typeface="Andale Mono"/>
-                <a:cs typeface="Andale Mono"/>
-              </a:rPr>
-              <a:t>/java/a4cli &amp;&amp; ant</a:t>
-            </a:r>
-          </a:p>
-          <a:p>
-            <a:pPr lvl="1"/>
-            <a:r>
-              <a:rPr lang="en-US" dirty="0" smtClean="0">
-                <a:sym typeface="Wingdings"/>
-              </a:rPr>
-              <a:t>Produces $</a:t>
-            </a:r>
-            <a:r>
-              <a:rPr lang="en-US" dirty="0" err="1" smtClean="0">
-                <a:sym typeface="Wingdings"/>
-              </a:rPr>
-              <a:t>alloy_home</a:t>
-            </a:r>
-            <a:r>
-              <a:rPr lang="en-US" dirty="0" smtClean="0">
-                <a:sym typeface="Wingdings"/>
-              </a:rPr>
-              <a:t>/java/a4cli/target/a4cli.jar</a:t>
-            </a:r>
-          </a:p>
-          <a:p>
-            <a:r>
-              <a:rPr lang="en-US" dirty="0" smtClean="0">
-                <a:sym typeface="Wingdings"/>
-              </a:rPr>
-              <a:t>The version of the jar that is effectively used by the backend module </a:t>
-            </a:r>
-            <a:r>
-              <a:rPr lang="en-US" dirty="0" smtClean="0">
-                <a:solidFill>
-                  <a:srgbClr val="FF0000"/>
-                </a:solidFill>
-                <a:sym typeface="Wingdings"/>
-              </a:rPr>
-              <a:t>MUST be located in $</a:t>
-            </a:r>
-            <a:r>
-              <a:rPr lang="en-US" dirty="0" err="1" smtClean="0">
-                <a:solidFill>
-                  <a:srgbClr val="FF0000"/>
-                </a:solidFill>
-                <a:sym typeface="Wingdings"/>
-              </a:rPr>
-              <a:t>alloy_home</a:t>
-            </a:r>
-            <a:endParaRPr lang="en-US" dirty="0" smtClean="0">
-              <a:solidFill>
-                <a:srgbClr val="FF0000"/>
-              </a:solidFill>
-            </a:endParaRPr>
-          </a:p>
-          <a:p>
-            <a:endParaRPr lang="en-US" dirty="0"/>
-          </a:p>
-        </p:txBody>
-      </p:sp>
-      <p:sp>
-        <p:nvSpPr>
-          <p:cNvPr id="3" name="Titre 2"/>
+          <p:cNvPr id="2" name="Titre 1"/>
           <p:cNvSpPr>
             <a:spLocks noGrp="1"/>
           </p:cNvSpPr>
@@ -19605,7 +21423,30 @@
           <a:p>
             <a:r>
               <a:rPr lang="en-US" dirty="0" smtClean="0"/>
-              <a:t>Module : A4cli</a:t>
+              <a:t>The A4CLI component</a:t>
+            </a:r>
+            <a:endParaRPr lang="en-US" dirty="0"/>
+          </a:p>
+        </p:txBody>
+      </p:sp>
+      <p:sp>
+        <p:nvSpPr>
+          <p:cNvPr id="3" name="Espace réservé du texte 2"/>
+          <p:cNvSpPr>
+            <a:spLocks noGrp="1"/>
+          </p:cNvSpPr>
+          <p:nvPr>
+            <p:ph type="body" idx="1"/>
+          </p:nvPr>
+        </p:nvSpPr>
+        <p:spPr/>
+        <p:txBody>
+          <a:bodyPr/>
+          <a:lstStyle/>
+          <a:p>
+            <a:r>
+              <a:rPr lang="en-US" dirty="0" smtClean="0"/>
+              <a:t>At the very bottom</a:t>
             </a:r>
             <a:endParaRPr lang="en-US" dirty="0"/>
           </a:p>
@@ -19614,7 +21455,7 @@
     </p:spTree>
     <p:extLst>
       <p:ext uri="{BB962C8B-B14F-4D97-AF65-F5344CB8AC3E}">
-        <p14:creationId xmlns:p14="http://schemas.microsoft.com/office/powerpoint/2010/main" val="921273644"/>
+        <p14:creationId xmlns:p14="http://schemas.microsoft.com/office/powerpoint/2010/main" val="2612852694"/>
       </p:ext>
     </p:extLst>
   </p:cSld>
@@ -19653,114 +21494,24 @@
         </p:nvSpPr>
         <p:spPr/>
         <p:txBody>
-          <a:bodyPr>
-            <a:normAutofit fontScale="92500" lnSpcReduction="20000"/>
-          </a:bodyPr>
+          <a:bodyPr/>
           <a:lstStyle/>
           <a:p>
             <a:r>
-              <a:rPr lang="en-US" b="1" dirty="0" smtClean="0"/>
-              <a:t>edu.mit.csail.sdg.alloy4web.</a:t>
-            </a:r>
-            <a:r>
-              <a:rPr lang="en-US" b="1" dirty="0" smtClean="0">
-                <a:solidFill>
-                  <a:srgbClr val="FF0000"/>
-                </a:solidFill>
-              </a:rPr>
-              <a:t>A4CLI</a:t>
-            </a:r>
-          </a:p>
-          <a:p>
-            <a:pPr lvl="1"/>
-            <a:r>
               <a:rPr lang="en-US" dirty="0" smtClean="0"/>
-              <a:t>This is the program main entry point.</a:t>
-            </a:r>
-          </a:p>
-          <a:p>
-            <a:pPr lvl="1"/>
+              <a:t>Stands for Alloy 4 Command Line Interface</a:t>
+            </a:r>
+          </a:p>
+          <a:p>
             <a:r>
               <a:rPr lang="en-US" dirty="0" smtClean="0"/>
-              <a:t>Calls the Alloy API</a:t>
-            </a:r>
-            <a:endParaRPr lang="en-US" dirty="0"/>
-          </a:p>
-          <a:p>
-            <a:r>
-              <a:rPr lang="en-US" b="1" dirty="0" smtClean="0"/>
-              <a:t>edu.mit.csail.sdg.alloy4web.</a:t>
-            </a:r>
-            <a:r>
-              <a:rPr lang="en-US" b="1" dirty="0" smtClean="0">
-                <a:solidFill>
-                  <a:srgbClr val="FF0000"/>
-                </a:solidFill>
-              </a:rPr>
-              <a:t>Config</a:t>
-            </a:r>
-            <a:endParaRPr lang="en-US" b="1" dirty="0">
-              <a:solidFill>
-                <a:srgbClr val="FF0000"/>
-              </a:solidFill>
-            </a:endParaRPr>
-          </a:p>
-          <a:p>
-            <a:pPr lvl="1"/>
+              <a:t>Written in Java to facilitate the use of Alloy API</a:t>
+            </a:r>
+          </a:p>
+          <a:p>
             <a:r>
               <a:rPr lang="en-US" dirty="0" smtClean="0"/>
-              <a:t>Implements the command lines arguments parsing (using java-</a:t>
-            </a:r>
-            <a:r>
-              <a:rPr lang="en-US" dirty="0" err="1" smtClean="0"/>
-              <a:t>getopt</a:t>
-            </a:r>
-            <a:r>
-              <a:rPr lang="en-US" dirty="0" smtClean="0"/>
-              <a:t>)</a:t>
-            </a:r>
-          </a:p>
-          <a:p>
-            <a:pPr lvl="1"/>
-            <a:r>
-              <a:rPr lang="en-US" dirty="0" smtClean="0"/>
-              <a:t>Translates the command line arguments to values that make sense for the Alloy4 API</a:t>
-            </a:r>
-          </a:p>
-          <a:p>
-            <a:r>
-              <a:rPr lang="en-US" b="1" dirty="0"/>
-              <a:t>edu.mit.csail.sdg.alloy4web.</a:t>
-            </a:r>
-            <a:r>
-              <a:rPr lang="en-US" b="1" dirty="0" smtClean="0">
-                <a:solidFill>
-                  <a:srgbClr val="FF0000"/>
-                </a:solidFill>
-              </a:rPr>
-              <a:t>ReporterResult</a:t>
-            </a:r>
-          </a:p>
-          <a:p>
-            <a:pPr lvl="1"/>
-            <a:r>
-              <a:rPr lang="en-US" dirty="0" smtClean="0"/>
-              <a:t>Collects all information issued by the Alloy API</a:t>
-            </a:r>
-          </a:p>
-          <a:p>
-            <a:pPr lvl="1"/>
-            <a:r>
-              <a:rPr lang="en-US" dirty="0" smtClean="0"/>
-              <a:t>Produces the program output (see method </a:t>
-            </a:r>
-            <a:r>
-              <a:rPr lang="en-US" dirty="0" err="1" smtClean="0">
-                <a:solidFill>
-                  <a:srgbClr val="FF0000"/>
-                </a:solidFill>
-              </a:rPr>
-              <a:t>toString</a:t>
+              <a:t>Writes the result of an analysis as a </a:t>
             </a:r>
             <a:r>
               <a:rPr lang="en-US" dirty="0" smtClean="0">
@@ -19768,18 +21519,107 @@
                   <a:srgbClr val="FF0000"/>
                 </a:solidFill>
               </a:rPr>
-              <a:t>() </a:t>
-            </a:r>
+              <a:t>JSON string</a:t>
+            </a:r>
+          </a:p>
+          <a:p>
             <a:r>
               <a:rPr lang="en-US" dirty="0" smtClean="0"/>
-              <a:t>)</a:t>
-            </a:r>
-          </a:p>
-          <a:p>
-            <a:endParaRPr lang="en-US" dirty="0" smtClean="0"/>
+              <a:t>Built using ANT</a:t>
+            </a:r>
           </a:p>
           <a:p>
             <a:pPr lvl="1"/>
+            <a:r>
+              <a:rPr lang="en-US" dirty="0" smtClean="0">
+                <a:solidFill>
+                  <a:schemeClr val="accent5">
+                    <a:lumMod val="75000"/>
+                  </a:schemeClr>
+                </a:solidFill>
+                <a:latin typeface="Andale Mono"/>
+                <a:cs typeface="Andale Mono"/>
+              </a:rPr>
+              <a:t>cd $</a:t>
+            </a:r>
+            <a:r>
+              <a:rPr lang="en-US" dirty="0" err="1" smtClean="0">
+                <a:solidFill>
+                  <a:schemeClr val="accent5">
+                    <a:lumMod val="75000"/>
+                  </a:schemeClr>
+                </a:solidFill>
+                <a:latin typeface="Andale Mono"/>
+                <a:cs typeface="Andale Mono"/>
+              </a:rPr>
+              <a:t>alloy_home</a:t>
+            </a:r>
+            <a:r>
+              <a:rPr lang="en-US" dirty="0" smtClean="0">
+                <a:solidFill>
+                  <a:schemeClr val="accent5">
+                    <a:lumMod val="75000"/>
+                  </a:schemeClr>
+                </a:solidFill>
+                <a:latin typeface="Andale Mono"/>
+                <a:cs typeface="Andale Mono"/>
+              </a:rPr>
+              <a:t>/java/a4cli &amp;&amp; ant</a:t>
+            </a:r>
+          </a:p>
+          <a:p>
+            <a:pPr lvl="1"/>
+            <a:r>
+              <a:rPr lang="en-US" dirty="0" smtClean="0">
+                <a:sym typeface="Wingdings"/>
+              </a:rPr>
+              <a:t>Produces $</a:t>
+            </a:r>
+            <a:r>
+              <a:rPr lang="en-US" dirty="0" err="1" smtClean="0">
+                <a:sym typeface="Wingdings"/>
+              </a:rPr>
+              <a:t>alloy_home</a:t>
+            </a:r>
+            <a:r>
+              <a:rPr lang="en-US" dirty="0" smtClean="0">
+                <a:sym typeface="Wingdings"/>
+              </a:rPr>
+              <a:t>/java/a4cli/target/a4cli.jar</a:t>
+            </a:r>
+          </a:p>
+          <a:p>
+            <a:r>
+              <a:rPr lang="en-US" dirty="0" smtClean="0">
+                <a:sym typeface="Wingdings"/>
+              </a:rPr>
+              <a:t>The version of the jar that is effectively used by the backend module </a:t>
+            </a:r>
+            <a:r>
+              <a:rPr lang="en-US" dirty="0" smtClean="0">
+                <a:solidFill>
+                  <a:srgbClr val="FF0000"/>
+                </a:solidFill>
+                <a:sym typeface="Wingdings"/>
+              </a:rPr>
+              <a:t>MUST be located in $</a:t>
+            </a:r>
+            <a:r>
+              <a:rPr lang="en-US" dirty="0" err="1" smtClean="0">
+                <a:solidFill>
+                  <a:srgbClr val="FF0000"/>
+                </a:solidFill>
+                <a:sym typeface="Wingdings"/>
+              </a:rPr>
+              <a:t>alloy_home</a:t>
+            </a:r>
+            <a:endParaRPr lang="en-US" dirty="0" smtClean="0">
+              <a:solidFill>
+                <a:srgbClr val="FF0000"/>
+              </a:solidFill>
+            </a:endParaRPr>
+          </a:p>
+          <a:p>
             <a:endParaRPr lang="en-US" dirty="0"/>
           </a:p>
         </p:txBody>
@@ -19801,7 +21641,11 @@
           <a:p>
             <a:r>
               <a:rPr lang="en-US" dirty="0" smtClean="0"/>
-              <a:t>A4cli : relevant classes</a:t>
+              <a:t>Component: </a:t>
+            </a:r>
+            <a:r>
+              <a:rPr lang="en-US" dirty="0" smtClean="0"/>
+              <a:t>A4cli</a:t>
             </a:r>
             <a:endParaRPr lang="en-US" dirty="0"/>
           </a:p>
@@ -19810,13 +21654,20 @@
     </p:spTree>
     <p:extLst>
       <p:ext uri="{BB962C8B-B14F-4D97-AF65-F5344CB8AC3E}">
-        <p14:creationId xmlns:p14="http://schemas.microsoft.com/office/powerpoint/2010/main" val="3706476863"/>
+        <p14:creationId xmlns:p14="http://schemas.microsoft.com/office/powerpoint/2010/main" val="921273644"/>
       </p:ext>
     </p:extLst>
   </p:cSld>
   <p:clrMapOvr>
     <a:masterClrMapping/>
   </p:clrMapOvr>
+  <p:timing>
+    <p:tnLst>
+      <p:par>
+        <p:cTn xmlns:p14="http://schemas.microsoft.com/office/powerpoint/2010/main" id="1" dur="indefinite" restart="never" nodeType="tmRoot"/>
+      </p:par>
+    </p:tnLst>
+  </p:timing>
 </p:sld>
 </file>
 
@@ -19849,52 +21700,133 @@
         </p:nvSpPr>
         <p:spPr/>
         <p:txBody>
-          <a:bodyPr/>
+          <a:bodyPr>
+            <a:normAutofit fontScale="92500" lnSpcReduction="20000"/>
+          </a:bodyPr>
           <a:lstStyle/>
           <a:p>
             <a:r>
-              <a:rPr lang="en-US" dirty="0" err="1">
+              <a:rPr lang="en-US" b="1" dirty="0" smtClean="0"/>
+              <a:t>edu.mit.csail.sdg.alloy4web.</a:t>
+            </a:r>
+            <a:r>
+              <a:rPr lang="en-US" b="1" dirty="0" smtClean="0">
+                <a:solidFill>
+                  <a:srgbClr val="FF0000"/>
+                </a:solidFill>
+              </a:rPr>
+              <a:t>A4CLI</a:t>
+            </a:r>
+          </a:p>
+          <a:p>
+            <a:pPr lvl="1"/>
+            <a:r>
+              <a:rPr lang="en-US" dirty="0" smtClean="0"/>
+              <a:t>This is the program main entry point.</a:t>
+            </a:r>
+          </a:p>
+          <a:p>
+            <a:pPr lvl="1"/>
+            <a:r>
+              <a:rPr lang="en-US" dirty="0" smtClean="0"/>
+              <a:t>Calls the Alloy API</a:t>
+            </a:r>
+            <a:endParaRPr lang="en-US" dirty="0"/>
+          </a:p>
+          <a:p>
+            <a:r>
+              <a:rPr lang="en-US" b="1" dirty="0" smtClean="0"/>
+              <a:t>edu.mit.csail.sdg.alloy4web.</a:t>
+            </a:r>
+            <a:r>
+              <a:rPr lang="en-US" b="1" dirty="0" smtClean="0">
+                <a:solidFill>
+                  <a:srgbClr val="FF0000"/>
+                </a:solidFill>
+              </a:rPr>
+              <a:t>Config</a:t>
+            </a:r>
+            <a:endParaRPr lang="en-US" b="1" dirty="0">
+              <a:solidFill>
+                <a:srgbClr val="FF0000"/>
+              </a:solidFill>
+            </a:endParaRPr>
+          </a:p>
+          <a:p>
+            <a:pPr lvl="1"/>
+            <a:r>
+              <a:rPr lang="en-US" dirty="0" smtClean="0"/>
+              <a:t>Implements the command lines arguments parsing (using java-</a:t>
+            </a:r>
+            <a:r>
+              <a:rPr lang="en-US" dirty="0" err="1" smtClean="0"/>
+              <a:t>getopt</a:t>
+            </a:r>
+            <a:r>
+              <a:rPr lang="en-US" dirty="0" smtClean="0"/>
+              <a:t>)</a:t>
+            </a:r>
+          </a:p>
+          <a:p>
+            <a:pPr lvl="1"/>
+            <a:r>
+              <a:rPr lang="en-US" dirty="0" smtClean="0"/>
+              <a:t>Translates the command line arguments to values that make sense for the Alloy4 API</a:t>
+            </a:r>
+          </a:p>
+          <a:p>
+            <a:r>
+              <a:rPr lang="en-US" b="1" dirty="0"/>
+              <a:t>edu.mit.csail.sdg.alloy4web.</a:t>
+            </a:r>
+            <a:r>
+              <a:rPr lang="en-US" b="1" dirty="0" smtClean="0">
                 <a:solidFill>
                   <a:srgbClr val="FF0000"/>
                 </a:solidFill>
               </a:rPr>
               <a:t>ReporterResult</a:t>
             </a:r>
-            <a:r>
-              <a:rPr lang="en-US" dirty="0">
+          </a:p>
+          <a:p>
+            <a:pPr lvl="1"/>
+            <a:r>
+              <a:rPr lang="en-US" dirty="0" smtClean="0"/>
+              <a:t>Collects all information issued by the Alloy API</a:t>
+            </a:r>
+          </a:p>
+          <a:p>
+            <a:pPr lvl="1"/>
+            <a:r>
+              <a:rPr lang="en-US" dirty="0" smtClean="0"/>
+              <a:t>Produces the program output (see method </a:t>
+            </a:r>
+            <a:r>
+              <a:rPr lang="en-US" dirty="0" err="1" smtClean="0">
                 <a:solidFill>
                   <a:srgbClr val="FF0000"/>
                 </a:solidFill>
               </a:rPr>
-              <a:t> </a:t>
-            </a:r>
-            <a:r>
-              <a:rPr lang="en-US" dirty="0"/>
-              <a:t>is </a:t>
+              <a:t>toString</a:t>
+            </a:r>
+            <a:r>
+              <a:rPr lang="en-US" dirty="0" smtClean="0">
+                <a:solidFill>
+                  <a:srgbClr val="FF0000"/>
+                </a:solidFill>
+              </a:rPr>
+              <a:t>() </a:t>
             </a:r>
             <a:r>
               <a:rPr lang="en-US" dirty="0" smtClean="0"/>
-              <a:t>the </a:t>
-            </a:r>
-            <a:r>
-              <a:rPr lang="en-US" dirty="0"/>
-              <a:t>most important class in this module. </a:t>
-            </a:r>
+              <a:t>)</a:t>
+            </a:r>
+          </a:p>
+          <a:p>
             <a:endParaRPr lang="en-US" dirty="0" smtClean="0"/>
           </a:p>
           <a:p>
-            <a:r>
-              <a:rPr lang="en-US" dirty="0" smtClean="0"/>
-              <a:t>It </a:t>
-            </a:r>
-            <a:r>
-              <a:rPr lang="en-US" dirty="0"/>
-              <a:t>is probably the </a:t>
-            </a:r>
-            <a:r>
-              <a:rPr lang="en-US" dirty="0" smtClean="0"/>
-              <a:t>place you are looking for if you want to change anything in this module.</a:t>
-            </a:r>
+            <a:pPr lvl="1"/>
             <a:endParaRPr lang="en-US" dirty="0"/>
           </a:p>
         </p:txBody>
@@ -19925,13 +21857,20 @@
     </p:spTree>
     <p:extLst>
       <p:ext uri="{BB962C8B-B14F-4D97-AF65-F5344CB8AC3E}">
-        <p14:creationId xmlns:p14="http://schemas.microsoft.com/office/powerpoint/2010/main" val="1723508843"/>
+        <p14:creationId xmlns:p14="http://schemas.microsoft.com/office/powerpoint/2010/main" val="3706476863"/>
       </p:ext>
     </p:extLst>
   </p:cSld>
   <p:clrMapOvr>
     <a:masterClrMapping/>
   </p:clrMapOvr>
+  <p:timing>
+    <p:tnLst>
+      <p:par>
+        <p:cTn xmlns:p14="http://schemas.microsoft.com/office/powerpoint/2010/main" id="1" dur="indefinite" restart="never" nodeType="tmRoot"/>
+      </p:par>
+    </p:tnLst>
+  </p:timing>
 </p:sld>
 </file>
 

--- a/documentation/GettingStarted.pptx
+++ b/documentation/GettingStarted.pptx
@@ -30,6 +30,7 @@
     <p:sldId id="278" r:id="rId24"/>
     <p:sldId id="280" r:id="rId25"/>
     <p:sldId id="279" r:id="rId26"/>
+    <p:sldId id="281" r:id="rId27"/>
   </p:sldIdLst>
   <p:sldSz cx="9144000" cy="6858000" type="screen4x3"/>
   <p:notesSz cx="6858000" cy="9144000"/>
@@ -170,6 +171,7 @@
             <p14:sldId id="278"/>
             <p14:sldId id="280"/>
             <p14:sldId id="279"/>
+            <p14:sldId id="281"/>
           </p14:sldIdLst>
         </p14:section>
       </p14:sectionLst>
@@ -1751,10 +1753,10 @@
     <dgm:cxn modelId="{3FF183A6-30A9-EC49-89B9-83CCB247CFCD}" srcId="{143FA331-207A-FB44-95B6-33975FD87FDC}" destId="{4FE56B68-5A6E-1741-8256-4428C89201C0}" srcOrd="0" destOrd="0" parTransId="{E31B190F-4DE5-5A47-A735-9266B86890AE}" sibTransId="{9331B069-0CB4-F843-A452-481B2ACC4009}"/>
     <dgm:cxn modelId="{286E8DB6-F861-7F4E-AFAC-F03FCCB0A0D3}" type="presOf" srcId="{143FA331-207A-FB44-95B6-33975FD87FDC}" destId="{5B8A5EAC-F374-8749-ABFB-442563EAAA49}" srcOrd="0" destOrd="1" presId="urn:microsoft.com/office/officeart/2005/8/layout/chevron2"/>
     <dgm:cxn modelId="{11C55362-2A44-EB4D-BE07-59EBAB4A64B7}" type="presOf" srcId="{4F196CFB-70BA-7341-A499-D6F7E784872D}" destId="{B65F8B5F-B0C6-6844-9F2E-16D5C3D21999}" srcOrd="0" destOrd="1" presId="urn:microsoft.com/office/officeart/2005/8/layout/chevron2"/>
+    <dgm:cxn modelId="{779AD7BF-EE01-CE43-B1BE-F021FD2D2BC8}" type="presOf" srcId="{E2F11381-B3FC-A144-ABCB-4102E8B32BA4}" destId="{B3339FDC-AA9E-B14B-AE30-CEA9C6CDCA47}" srcOrd="0" destOrd="0" presId="urn:microsoft.com/office/officeart/2005/8/layout/chevron2"/>
     <dgm:cxn modelId="{97D34E1F-5066-D041-BE46-0216299020F9}" srcId="{024D6ECA-8252-A141-A60B-F7DD96BC2C13}" destId="{3454FA1B-1351-2244-80FD-1D8568524E12}" srcOrd="0" destOrd="0" parTransId="{B484C220-BD2D-9544-B96A-61A8384DE947}" sibTransId="{2971710F-192F-AA41-950B-62A904AD87BC}"/>
-    <dgm:cxn modelId="{779AD7BF-EE01-CE43-B1BE-F021FD2D2BC8}" type="presOf" srcId="{E2F11381-B3FC-A144-ABCB-4102E8B32BA4}" destId="{B3339FDC-AA9E-B14B-AE30-CEA9C6CDCA47}" srcOrd="0" destOrd="0" presId="urn:microsoft.com/office/officeart/2005/8/layout/chevron2"/>
+    <dgm:cxn modelId="{1FB634A8-D201-1549-8D1C-98357D8F405F}" srcId="{E2F11381-B3FC-A144-ABCB-4102E8B32BA4}" destId="{941FB597-D415-D841-A3D3-4D74358CFD6F}" srcOrd="2" destOrd="0" parTransId="{C4E8DE3A-597F-AB4B-9C63-79C6B0610320}" sibTransId="{000C6CC6-1A7C-D842-B2E2-6C8B672C1408}"/>
     <dgm:cxn modelId="{C6B1CC16-4293-5D4F-92A9-4BFF194783B9}" srcId="{226CFD69-A1B4-7E4D-9319-4B2B9840834C}" destId="{143FA331-207A-FB44-95B6-33975FD87FDC}" srcOrd="1" destOrd="0" parTransId="{9FEB79DF-26E6-6F4C-BAB3-7CB6DE265A1F}" sibTransId="{C8E669D9-063E-3F47-9154-CB61E8373399}"/>
-    <dgm:cxn modelId="{1FB634A8-D201-1549-8D1C-98357D8F405F}" srcId="{E2F11381-B3FC-A144-ABCB-4102E8B32BA4}" destId="{941FB597-D415-D841-A3D3-4D74358CFD6F}" srcOrd="2" destOrd="0" parTransId="{C4E8DE3A-597F-AB4B-9C63-79C6B0610320}" sibTransId="{000C6CC6-1A7C-D842-B2E2-6C8B672C1408}"/>
     <dgm:cxn modelId="{A74A3EA1-9571-0B4C-831D-DDA9275F3EAD}" type="presOf" srcId="{941FB597-D415-D841-A3D3-4D74358CFD6F}" destId="{DE821443-E1FD-AE44-98C7-5BBF398C7942}" srcOrd="0" destOrd="0" presId="urn:microsoft.com/office/officeart/2005/8/layout/chevron2"/>
     <dgm:cxn modelId="{249CAB7C-8B78-CA4A-BF80-19FC5138DC81}" type="presOf" srcId="{AEFEEA83-8B56-E040-A17F-F84A72261900}" destId="{9E6A5364-8321-5349-BF23-21D46AD7929D}" srcOrd="0" destOrd="0" presId="urn:microsoft.com/office/officeart/2005/8/layout/chevron2"/>
     <dgm:cxn modelId="{32E943ED-5158-7E46-B7B4-EB189C5A3A40}" srcId="{E2F11381-B3FC-A144-ABCB-4102E8B32BA4}" destId="{226CFD69-A1B4-7E4D-9319-4B2B9840834C}" srcOrd="0" destOrd="0" parTransId="{AD751730-F994-EE44-A23A-27263FDB4E17}" sibTransId="{11C231BE-0A49-704E-B86E-7BC92C4097F5}"/>
@@ -5612,7 +5614,7 @@
             <a:fld id="{E30E2307-1E40-4E12-8716-25BFDA8E7013}" type="datetime1">
               <a:rPr lang="en-US" smtClean="0"/>
               <a:pPr/>
-              <a:t>19/08/15</a:t>
+              <a:t>20/08/15</a:t>
             </a:fld>
             <a:endParaRPr lang="en-US"/>
           </a:p>
@@ -5795,7 +5797,7 @@
             <a:fld id="{E5CFCF5A-EA79-452C-A52C-1A2668C2E7DF}" type="datetime1">
               <a:rPr lang="en-US" smtClean="0"/>
               <a:pPr/>
-              <a:t>19/08/15</a:t>
+              <a:t>20/08/15</a:t>
             </a:fld>
             <a:endParaRPr lang="en-US"/>
           </a:p>
@@ -5948,7 +5950,7 @@
             <a:fld id="{2E5C4C28-BD4B-4892-9A2D-6E19BD753A9A}" type="datetime1">
               <a:rPr lang="en-US" smtClean="0"/>
               <a:pPr/>
-              <a:t>19/08/15</a:t>
+              <a:t>20/08/15</a:t>
             </a:fld>
             <a:endParaRPr lang="en-US"/>
           </a:p>
@@ -7776,7 +7778,7 @@
             <a:fld id="{61FD9D02-426E-46C9-9EE9-0DE1EF8B2838}" type="datetime1">
               <a:rPr lang="en-US" smtClean="0"/>
               <a:pPr/>
-              <a:t>19/08/15</a:t>
+              <a:t>20/08/15</a:t>
             </a:fld>
             <a:endParaRPr lang="en-US"/>
           </a:p>
@@ -9648,7 +9650,7 @@
             <a:fld id="{7B8AEBBE-F8B2-42CF-9895-E86A608384EB}" type="datetime1">
               <a:rPr lang="en-US" smtClean="0"/>
               <a:pPr/>
-              <a:t>19/08/15</a:t>
+              <a:t>20/08/15</a:t>
             </a:fld>
             <a:endParaRPr lang="en-US"/>
           </a:p>
@@ -9763,7 +9765,7 @@
             <a:fld id="{E1FAA6B6-10E5-4810-BC9F-DA72D8452E73}" type="datetime1">
               <a:rPr lang="en-US" smtClean="0"/>
               <a:pPr/>
-              <a:t>19/08/15</a:t>
+              <a:t>20/08/15</a:t>
             </a:fld>
             <a:endParaRPr lang="en-US"/>
           </a:p>
@@ -10306,7 +10308,7 @@
             <a:fld id="{6D18D072-EF12-4AA2-BD71-ABC68B06D0E2}" type="datetime1">
               <a:rPr lang="en-US" smtClean="0"/>
               <a:pPr/>
-              <a:t>19/08/15</a:t>
+              <a:t>20/08/15</a:t>
             </a:fld>
             <a:endParaRPr lang="en-US"/>
           </a:p>
@@ -10421,7 +10423,7 @@
             <a:fld id="{B8CDBF60-6CC3-4B74-A60D-3486985E4346}" type="datetime1">
               <a:rPr lang="en-US" smtClean="0"/>
               <a:pPr/>
-              <a:t>19/08/15</a:t>
+              <a:t>20/08/15</a:t>
             </a:fld>
             <a:endParaRPr lang="en-US"/>
           </a:p>
@@ -12134,7 +12136,7 @@
             <a:fld id="{22714818-984F-4759-BF72-A33BDC1963BD}" type="datetime1">
               <a:rPr lang="en-US" smtClean="0"/>
               <a:pPr/>
-              <a:t>19/08/15</a:t>
+              <a:t>20/08/15</a:t>
             </a:fld>
             <a:endParaRPr lang="en-US"/>
           </a:p>
@@ -12287,7 +12289,7 @@
             <a:fld id="{9EA7E191-5F94-4FC1-B823-BD7CABF7FA06}" type="datetime1">
               <a:rPr lang="en-US" smtClean="0"/>
               <a:pPr/>
-              <a:t>19/08/15</a:t>
+              <a:t>20/08/15</a:t>
             </a:fld>
             <a:endParaRPr lang="en-US"/>
           </a:p>
@@ -15904,7 +15906,7 @@
             <a:fld id="{88856D55-EFBE-4F9B-8A5F-09D42CA22A9B}" type="datetime1">
               <a:rPr lang="en-US" smtClean="0"/>
               <a:pPr/>
-              <a:t>19/08/15</a:t>
+              <a:t>20/08/15</a:t>
             </a:fld>
             <a:endParaRPr lang="en-US"/>
           </a:p>
@@ -17765,7 +17767,7 @@
             <a:fld id="{9D1D110F-3F4E-48D9-B8AA-5D0E825AFDBA}" type="datetime1">
               <a:rPr lang="en-US" smtClean="0"/>
               <a:pPr/>
-              <a:t>19/08/15</a:t>
+              <a:t>20/08/15</a:t>
             </a:fld>
             <a:endParaRPr lang="en-US"/>
           </a:p>
@@ -18649,11 +18651,7 @@
           <a:p>
             <a:r>
               <a:rPr lang="en-US" dirty="0" smtClean="0"/>
-              <a:t>Component: </a:t>
-            </a:r>
-            <a:r>
-              <a:rPr lang="en-US" dirty="0" smtClean="0"/>
-              <a:t>Backend </a:t>
+              <a:t>Component: Backend </a:t>
             </a:r>
             <a:endParaRPr lang="en-US" dirty="0"/>
           </a:p>
@@ -19922,15 +19920,7 @@
             <a:pPr lvl="1"/>
             <a:r>
               <a:rPr lang="en-US" dirty="0" smtClean="0"/>
-              <a:t>Could be used as a basis to prepare cloud </a:t>
-            </a:r>
-            <a:r>
-              <a:rPr lang="en-US" dirty="0" smtClean="0"/>
-              <a:t>based model analysis </a:t>
-            </a:r>
-            <a:r>
-              <a:rPr lang="en-US" dirty="0" smtClean="0"/>
-              <a:t>experiments</a:t>
+              <a:t>Could be used as a basis to prepare cloud based model analysis experiments</a:t>
             </a:r>
           </a:p>
         </p:txBody>
@@ -20749,6 +20739,108 @@
     <p:extLst>
       <p:ext uri="{BB962C8B-B14F-4D97-AF65-F5344CB8AC3E}">
         <p14:creationId xmlns:p14="http://schemas.microsoft.com/office/powerpoint/2010/main" val="875038798"/>
+      </p:ext>
+    </p:extLst>
+  </p:cSld>
+  <p:clrMapOvr>
+    <a:masterClrMapping/>
+  </p:clrMapOvr>
+</p:sld>
+</file>
+
+<file path=ppt/slides/slide26.xml><?xml version="1.0" encoding="utf-8"?>
+<p:sld xmlns:a="http://schemas.openxmlformats.org/drawingml/2006/main" xmlns:r="http://schemas.openxmlformats.org/officeDocument/2006/relationships" xmlns:p="http://schemas.openxmlformats.org/presentationml/2006/main">
+  <p:cSld>
+    <p:spTree>
+      <p:nvGrpSpPr>
+        <p:cNvPr id="1" name=""/>
+        <p:cNvGrpSpPr/>
+        <p:nvPr/>
+      </p:nvGrpSpPr>
+      <p:grpSpPr>
+        <a:xfrm>
+          <a:off x="0" y="0"/>
+          <a:ext cx="0" cy="0"/>
+          <a:chOff x="0" y="0"/>
+          <a:chExt cx="0" cy="0"/>
+        </a:xfrm>
+      </p:grpSpPr>
+      <p:sp>
+        <p:nvSpPr>
+          <p:cNvPr id="2" name="Espace réservé du contenu 1"/>
+          <p:cNvSpPr>
+            <a:spLocks noGrp="1"/>
+          </p:cNvSpPr>
+          <p:nvPr>
+            <p:ph idx="1"/>
+          </p:nvPr>
+        </p:nvSpPr>
+        <p:spPr/>
+        <p:txBody>
+          <a:bodyPr/>
+          <a:lstStyle/>
+          <a:p>
+            <a:r>
+              <a:rPr lang="en-US" dirty="0" smtClean="0"/>
+              <a:t>Instead of using </a:t>
+            </a:r>
+            <a:r>
+              <a:rPr lang="en-US" dirty="0" err="1" smtClean="0"/>
+              <a:t>Graphviz</a:t>
+            </a:r>
+            <a:r>
+              <a:rPr lang="en-US" dirty="0" smtClean="0"/>
+              <a:t>, one might want to investigate Jung</a:t>
+            </a:r>
+          </a:p>
+          <a:p>
+            <a:pPr lvl="1"/>
+            <a:r>
+              <a:rPr lang="en-US" smtClean="0"/>
+              <a:t>For instance using this DSL (</a:t>
+            </a:r>
+            <a:r>
+              <a:rPr lang="en-US" dirty="0"/>
+              <a:t>http://</a:t>
+            </a:r>
+            <a:r>
+              <a:rPr lang="en-US" dirty="0" err="1"/>
+              <a:t>tinyurl.com</a:t>
+            </a:r>
+            <a:r>
+              <a:rPr lang="en-US" dirty="0"/>
+              <a:t>/ntbmaa8)</a:t>
+            </a:r>
+          </a:p>
+        </p:txBody>
+      </p:sp>
+      <p:sp>
+        <p:nvSpPr>
+          <p:cNvPr id="3" name="Titre 2"/>
+          <p:cNvSpPr>
+            <a:spLocks noGrp="1"/>
+          </p:cNvSpPr>
+          <p:nvPr>
+            <p:ph type="title"/>
+          </p:nvPr>
+        </p:nvSpPr>
+        <p:spPr/>
+        <p:txBody>
+          <a:bodyPr/>
+          <a:lstStyle/>
+          <a:p>
+            <a:r>
+              <a:rPr lang="en-US" dirty="0" smtClean="0"/>
+              <a:t>Alternatives</a:t>
+            </a:r>
+            <a:endParaRPr lang="en-US" dirty="0"/>
+          </a:p>
+        </p:txBody>
+      </p:sp>
+    </p:spTree>
+    <p:extLst>
+      <p:ext uri="{BB962C8B-B14F-4D97-AF65-F5344CB8AC3E}">
+        <p14:creationId xmlns:p14="http://schemas.microsoft.com/office/powerpoint/2010/main" val="4266206610"/>
       </p:ext>
     </p:extLst>
   </p:cSld>
@@ -21641,11 +21733,7 @@
           <a:p>
             <a:r>
               <a:rPr lang="en-US" dirty="0" smtClean="0"/>
-              <a:t>Component: </a:t>
-            </a:r>
-            <a:r>
-              <a:rPr lang="en-US" dirty="0" smtClean="0"/>
-              <a:t>A4cli</a:t>
+              <a:t>Component: A4cli</a:t>
             </a:r>
             <a:endParaRPr lang="en-US" dirty="0"/>
           </a:p>

--- a/documentation/GettingStarted.pptx
+++ b/documentation/GettingStarted.pptx
@@ -30,7 +30,8 @@
     <p:sldId id="278" r:id="rId24"/>
     <p:sldId id="280" r:id="rId25"/>
     <p:sldId id="279" r:id="rId26"/>
-    <p:sldId id="281" r:id="rId27"/>
+    <p:sldId id="282" r:id="rId27"/>
+    <p:sldId id="281" r:id="rId28"/>
   </p:sldIdLst>
   <p:sldSz cx="9144000" cy="6858000" type="screen4x3"/>
   <p:notesSz cx="6858000" cy="9144000"/>
@@ -171,6 +172,7 @@
             <p14:sldId id="278"/>
             <p14:sldId id="280"/>
             <p14:sldId id="279"/>
+            <p14:sldId id="282"/>
             <p14:sldId id="281"/>
           </p14:sldIdLst>
         </p14:section>
@@ -20777,6 +20779,231 @@
         </p:nvSpPr>
         <p:spPr/>
         <p:txBody>
+          <a:bodyPr>
+            <a:normAutofit fontScale="77500" lnSpcReduction="20000"/>
+          </a:bodyPr>
+          <a:lstStyle/>
+          <a:p>
+            <a:r>
+              <a:rPr lang="en-US" dirty="0" err="1" smtClean="0"/>
+              <a:t>Cytoscape</a:t>
+            </a:r>
+            <a:endParaRPr lang="en-US" dirty="0" smtClean="0"/>
+          </a:p>
+          <a:p>
+            <a:pPr lvl="1"/>
+            <a:r>
+              <a:rPr lang="en-US" dirty="0" smtClean="0">
+                <a:sym typeface="Wingdings"/>
+              </a:rPr>
+              <a:t>Rendering was a little blurry (because of canvas)</a:t>
+            </a:r>
+          </a:p>
+          <a:p>
+            <a:pPr lvl="1"/>
+            <a:r>
+              <a:rPr lang="en-US" dirty="0" smtClean="0">
+                <a:sym typeface="Wingdings"/>
+              </a:rPr>
+              <a:t>Insufficient facilities to draw ‘intelligent’ edges layout</a:t>
+            </a:r>
+          </a:p>
+          <a:p>
+            <a:r>
+              <a:rPr lang="en-US" dirty="0" err="1" smtClean="0"/>
+              <a:t>Jquery</a:t>
+            </a:r>
+            <a:r>
+              <a:rPr lang="en-US" dirty="0" smtClean="0"/>
+              <a:t> </a:t>
+            </a:r>
+            <a:r>
+              <a:rPr lang="en-US" dirty="0" err="1" smtClean="0"/>
+              <a:t>Graphviz</a:t>
+            </a:r>
+            <a:endParaRPr lang="en-US" dirty="0" smtClean="0"/>
+          </a:p>
+          <a:p>
+            <a:pPr lvl="1"/>
+            <a:r>
+              <a:rPr lang="en-US" dirty="0" smtClean="0"/>
+              <a:t>Works nice (although I did find some incompleteness in the code).</a:t>
+            </a:r>
+          </a:p>
+          <a:p>
+            <a:pPr lvl="1"/>
+            <a:r>
+              <a:rPr lang="en-US" dirty="0" smtClean="0"/>
+              <a:t>When nodes are moved, edges do not redraw </a:t>
+            </a:r>
+            <a:r>
+              <a:rPr lang="en-US" dirty="0" smtClean="0"/>
+              <a:t>correctly</a:t>
+            </a:r>
+          </a:p>
+          <a:p>
+            <a:r>
+              <a:rPr lang="en-US" dirty="0" smtClean="0"/>
+              <a:t>D3</a:t>
+            </a:r>
+          </a:p>
+          <a:p>
+            <a:pPr lvl="1"/>
+            <a:r>
+              <a:rPr lang="en-US" dirty="0" smtClean="0"/>
+              <a:t>Is too low level for that matter, you have to draw </a:t>
+            </a:r>
+            <a:r>
+              <a:rPr lang="en-US" dirty="0" err="1" smtClean="0"/>
+              <a:t>svg</a:t>
+            </a:r>
+            <a:r>
+              <a:rPr lang="en-US" dirty="0" smtClean="0"/>
+              <a:t> yourself</a:t>
+            </a:r>
+          </a:p>
+          <a:p>
+            <a:r>
+              <a:rPr lang="en-US" dirty="0" err="1" smtClean="0"/>
+              <a:t>Dagre</a:t>
+            </a:r>
+            <a:endParaRPr lang="en-US" dirty="0" smtClean="0"/>
+          </a:p>
+          <a:p>
+            <a:pPr lvl="1"/>
+            <a:r>
+              <a:rPr lang="en-US" dirty="0" smtClean="0"/>
+              <a:t>Can use D3 or </a:t>
+            </a:r>
+            <a:r>
+              <a:rPr lang="en-US" dirty="0" err="1" smtClean="0"/>
+              <a:t>cytoscape</a:t>
+            </a:r>
+            <a:r>
+              <a:rPr lang="en-US" dirty="0" smtClean="0"/>
+              <a:t> as renderer but </a:t>
+            </a:r>
+            <a:r>
+              <a:rPr lang="en-US" dirty="0" err="1" smtClean="0"/>
+              <a:t>doesn</a:t>
+            </a:r>
+            <a:r>
+              <a:rPr lang="fr-FR" dirty="0" smtClean="0"/>
+              <a:t>’</a:t>
+            </a:r>
+            <a:r>
+              <a:rPr lang="en-US" dirty="0" smtClean="0"/>
+              <a:t>t look as good as the original </a:t>
+            </a:r>
+            <a:r>
+              <a:rPr lang="en-US" dirty="0" err="1" smtClean="0"/>
+              <a:t>Graphviz</a:t>
+            </a:r>
+            <a:endParaRPr lang="en-US" dirty="0" smtClean="0"/>
+          </a:p>
+          <a:p>
+            <a:pPr lvl="1"/>
+            <a:r>
+              <a:rPr lang="en-US" dirty="0" smtClean="0"/>
+              <a:t>Note, the associated </a:t>
+            </a:r>
+            <a:r>
+              <a:rPr lang="en-US" dirty="0" err="1" smtClean="0"/>
+              <a:t>graphlib</a:t>
+            </a:r>
+            <a:r>
+              <a:rPr lang="en-US" dirty="0" smtClean="0"/>
+              <a:t> + </a:t>
+            </a:r>
+            <a:r>
+              <a:rPr lang="en-US" dirty="0" err="1" smtClean="0"/>
+              <a:t>graphlib</a:t>
+            </a:r>
+            <a:r>
+              <a:rPr lang="en-US" dirty="0" smtClean="0"/>
+              <a:t>-dot is handy to use but do not support the full dot language spec.</a:t>
+            </a:r>
+          </a:p>
+          <a:p>
+            <a:pPr lvl="1"/>
+            <a:endParaRPr lang="en-US" dirty="0"/>
+          </a:p>
+        </p:txBody>
+      </p:sp>
+      <p:sp>
+        <p:nvSpPr>
+          <p:cNvPr id="3" name="Titre 2"/>
+          <p:cNvSpPr>
+            <a:spLocks noGrp="1"/>
+          </p:cNvSpPr>
+          <p:nvPr>
+            <p:ph type="title"/>
+          </p:nvPr>
+        </p:nvSpPr>
+        <p:spPr/>
+        <p:txBody>
+          <a:bodyPr>
+            <a:normAutofit fontScale="90000"/>
+          </a:bodyPr>
+          <a:lstStyle/>
+          <a:p>
+            <a:r>
+              <a:rPr lang="en-US" dirty="0" smtClean="0"/>
+              <a:t>Visualization alternatives:</a:t>
+            </a:r>
+            <a:br>
+              <a:rPr lang="en-US" dirty="0" smtClean="0"/>
+            </a:br>
+            <a:r>
+              <a:rPr lang="en-US" dirty="0" smtClean="0"/>
+              <a:t>What did not work</a:t>
+            </a:r>
+            <a:endParaRPr lang="en-US" dirty="0"/>
+          </a:p>
+        </p:txBody>
+      </p:sp>
+    </p:spTree>
+    <p:extLst>
+      <p:ext uri="{BB962C8B-B14F-4D97-AF65-F5344CB8AC3E}">
+        <p14:creationId xmlns:p14="http://schemas.microsoft.com/office/powerpoint/2010/main" val="1962855265"/>
+      </p:ext>
+    </p:extLst>
+  </p:cSld>
+  <p:clrMapOvr>
+    <a:masterClrMapping/>
+  </p:clrMapOvr>
+</p:sld>
+</file>
+
+<file path=ppt/slides/slide27.xml><?xml version="1.0" encoding="utf-8"?>
+<p:sld xmlns:a="http://schemas.openxmlformats.org/drawingml/2006/main" xmlns:r="http://schemas.openxmlformats.org/officeDocument/2006/relationships" xmlns:p="http://schemas.openxmlformats.org/presentationml/2006/main">
+  <p:cSld>
+    <p:spTree>
+      <p:nvGrpSpPr>
+        <p:cNvPr id="1" name=""/>
+        <p:cNvGrpSpPr/>
+        <p:nvPr/>
+      </p:nvGrpSpPr>
+      <p:grpSpPr>
+        <a:xfrm>
+          <a:off x="0" y="0"/>
+          <a:ext cx="0" cy="0"/>
+          <a:chOff x="0" y="0"/>
+          <a:chExt cx="0" cy="0"/>
+        </a:xfrm>
+      </p:grpSpPr>
+      <p:sp>
+        <p:nvSpPr>
+          <p:cNvPr id="2" name="Espace réservé du contenu 1"/>
+          <p:cNvSpPr>
+            <a:spLocks noGrp="1"/>
+          </p:cNvSpPr>
+          <p:nvPr>
+            <p:ph idx="1"/>
+          </p:nvPr>
+        </p:nvSpPr>
+        <p:spPr/>
+        <p:txBody>
           <a:bodyPr/>
           <a:lstStyle/>
           <a:p>
@@ -20796,21 +21023,38 @@
           <a:p>
             <a:pPr lvl="1"/>
             <a:r>
-              <a:rPr lang="en-US" smtClean="0"/>
-              <a:t>For instance using this DSL (</a:t>
-            </a:r>
-            <a:r>
-              <a:rPr lang="en-US" dirty="0"/>
-              <a:t>http://</a:t>
-            </a:r>
-            <a:r>
-              <a:rPr lang="en-US" dirty="0" err="1"/>
-              <a:t>tinyurl.com</a:t>
-            </a:r>
-            <a:r>
-              <a:rPr lang="en-US" dirty="0"/>
-              <a:t>/ntbmaa8)</a:t>
-            </a:r>
+              <a:rPr lang="en-US" dirty="0" smtClean="0"/>
+              <a:t>For instance using this DSL </a:t>
+            </a:r>
+            <a:r>
+              <a:rPr lang="en-US" dirty="0" smtClean="0"/>
+              <a:t>I made</a:t>
+            </a:r>
+            <a:br>
+              <a:rPr lang="en-US" dirty="0" smtClean="0"/>
+            </a:br>
+            <a:r>
+              <a:rPr lang="en-US" dirty="0" smtClean="0"/>
+              <a:t>(</a:t>
+            </a:r>
+            <a:r>
+              <a:rPr lang="en-US" dirty="0">
+                <a:hlinkClick r:id="rId2"/>
+              </a:rPr>
+              <a:t>http://tinyurl.com/pcs99o6</a:t>
+            </a:r>
+            <a:r>
+              <a:rPr lang="en-US" dirty="0" smtClean="0"/>
+              <a:t>)</a:t>
+            </a:r>
+          </a:p>
+          <a:p>
+            <a:pPr lvl="1"/>
+            <a:r>
+              <a:rPr lang="en-US" dirty="0" smtClean="0"/>
+              <a:t>Drawback, this would need to run on the server side</a:t>
+            </a:r>
+            <a:endParaRPr lang="en-US" dirty="0"/>
           </a:p>
         </p:txBody>
       </p:sp>
@@ -20831,7 +21075,7 @@
           <a:p>
             <a:r>
               <a:rPr lang="en-US" dirty="0" smtClean="0"/>
-              <a:t>Alternatives</a:t>
+              <a:t>Visualization : Alternatives</a:t>
             </a:r>
             <a:endParaRPr lang="en-US" dirty="0"/>
           </a:p>
